--- a/ipsj/figure/WithoutTECS.pptx
+++ b/ipsj/figure/WithoutTECS.pptx
@@ -2,19 +2,19 @@
 <file path=ppt/presentation.xml><?xml version="1.0" encoding="utf-8"?>
 <p:presentation xmlns:a="http://schemas.openxmlformats.org/drawingml/2006/main" xmlns:r="http://schemas.openxmlformats.org/officeDocument/2006/relationships" xmlns:p="http://schemas.openxmlformats.org/presentationml/2006/main" saveSubsetFonts="1">
   <p:sldMasterIdLst>
-    <p:sldMasterId id="2147483648" r:id="rId1"/>
+    <p:sldMasterId id="2147483684" r:id="rId1"/>
   </p:sldMasterIdLst>
   <p:sldIdLst>
     <p:sldId id="259" r:id="rId2"/>
   </p:sldIdLst>
-  <p:sldSz cx="12192000" cy="6858000"/>
+  <p:sldSz cx="12192000" cy="3240088"/>
   <p:notesSz cx="6858000" cy="9144000"/>
   <p:defaultTextStyle>
     <a:defPPr>
-      <a:defRPr lang="ja-JP"/>
+      <a:defRPr lang="en-US"/>
     </a:defPPr>
-    <a:lvl1pPr marL="0" algn="l" defTabSz="914400" rtl="0" eaLnBrk="1" latinLnBrk="0" hangingPunct="1">
-      <a:defRPr kumimoji="1" sz="1800" kern="1200">
+    <a:lvl1pPr marL="0" algn="l" defTabSz="457200" rtl="0" eaLnBrk="1" latinLnBrk="0" hangingPunct="1">
+      <a:defRPr sz="1800" kern="1200">
         <a:solidFill>
           <a:schemeClr val="tx1"/>
         </a:solidFill>
@@ -23,8 +23,8 @@
         <a:cs typeface="+mn-cs"/>
       </a:defRPr>
     </a:lvl1pPr>
-    <a:lvl2pPr marL="457200" algn="l" defTabSz="914400" rtl="0" eaLnBrk="1" latinLnBrk="0" hangingPunct="1">
-      <a:defRPr kumimoji="1" sz="1800" kern="1200">
+    <a:lvl2pPr marL="457200" algn="l" defTabSz="457200" rtl="0" eaLnBrk="1" latinLnBrk="0" hangingPunct="1">
+      <a:defRPr sz="1800" kern="1200">
         <a:solidFill>
           <a:schemeClr val="tx1"/>
         </a:solidFill>
@@ -33,8 +33,8 @@
         <a:cs typeface="+mn-cs"/>
       </a:defRPr>
     </a:lvl2pPr>
-    <a:lvl3pPr marL="914400" algn="l" defTabSz="914400" rtl="0" eaLnBrk="1" latinLnBrk="0" hangingPunct="1">
-      <a:defRPr kumimoji="1" sz="1800" kern="1200">
+    <a:lvl3pPr marL="914400" algn="l" defTabSz="457200" rtl="0" eaLnBrk="1" latinLnBrk="0" hangingPunct="1">
+      <a:defRPr sz="1800" kern="1200">
         <a:solidFill>
           <a:schemeClr val="tx1"/>
         </a:solidFill>
@@ -43,8 +43,8 @@
         <a:cs typeface="+mn-cs"/>
       </a:defRPr>
     </a:lvl3pPr>
-    <a:lvl4pPr marL="1371600" algn="l" defTabSz="914400" rtl="0" eaLnBrk="1" latinLnBrk="0" hangingPunct="1">
-      <a:defRPr kumimoji="1" sz="1800" kern="1200">
+    <a:lvl4pPr marL="1371600" algn="l" defTabSz="457200" rtl="0" eaLnBrk="1" latinLnBrk="0" hangingPunct="1">
+      <a:defRPr sz="1800" kern="1200">
         <a:solidFill>
           <a:schemeClr val="tx1"/>
         </a:solidFill>
@@ -53,8 +53,8 @@
         <a:cs typeface="+mn-cs"/>
       </a:defRPr>
     </a:lvl4pPr>
-    <a:lvl5pPr marL="1828800" algn="l" defTabSz="914400" rtl="0" eaLnBrk="1" latinLnBrk="0" hangingPunct="1">
-      <a:defRPr kumimoji="1" sz="1800" kern="1200">
+    <a:lvl5pPr marL="1828800" algn="l" defTabSz="457200" rtl="0" eaLnBrk="1" latinLnBrk="0" hangingPunct="1">
+      <a:defRPr sz="1800" kern="1200">
         <a:solidFill>
           <a:schemeClr val="tx1"/>
         </a:solidFill>
@@ -63,8 +63,8 @@
         <a:cs typeface="+mn-cs"/>
       </a:defRPr>
     </a:lvl5pPr>
-    <a:lvl6pPr marL="2286000" algn="l" defTabSz="914400" rtl="0" eaLnBrk="1" latinLnBrk="0" hangingPunct="1">
-      <a:defRPr kumimoji="1" sz="1800" kern="1200">
+    <a:lvl6pPr marL="2286000" algn="l" defTabSz="457200" rtl="0" eaLnBrk="1" latinLnBrk="0" hangingPunct="1">
+      <a:defRPr sz="1800" kern="1200">
         <a:solidFill>
           <a:schemeClr val="tx1"/>
         </a:solidFill>
@@ -73,8 +73,8 @@
         <a:cs typeface="+mn-cs"/>
       </a:defRPr>
     </a:lvl6pPr>
-    <a:lvl7pPr marL="2743200" algn="l" defTabSz="914400" rtl="0" eaLnBrk="1" latinLnBrk="0" hangingPunct="1">
-      <a:defRPr kumimoji="1" sz="1800" kern="1200">
+    <a:lvl7pPr marL="2743200" algn="l" defTabSz="457200" rtl="0" eaLnBrk="1" latinLnBrk="0" hangingPunct="1">
+      <a:defRPr sz="1800" kern="1200">
         <a:solidFill>
           <a:schemeClr val="tx1"/>
         </a:solidFill>
@@ -83,8 +83,8 @@
         <a:cs typeface="+mn-cs"/>
       </a:defRPr>
     </a:lvl7pPr>
-    <a:lvl8pPr marL="3200400" algn="l" defTabSz="914400" rtl="0" eaLnBrk="1" latinLnBrk="0" hangingPunct="1">
-      <a:defRPr kumimoji="1" sz="1800" kern="1200">
+    <a:lvl8pPr marL="3200400" algn="l" defTabSz="457200" rtl="0" eaLnBrk="1" latinLnBrk="0" hangingPunct="1">
+      <a:defRPr sz="1800" kern="1200">
         <a:solidFill>
           <a:schemeClr val="tx1"/>
         </a:solidFill>
@@ -93,8 +93,8 @@
         <a:cs typeface="+mn-cs"/>
       </a:defRPr>
     </a:lvl8pPr>
-    <a:lvl9pPr marL="3657600" algn="l" defTabSz="914400" rtl="0" eaLnBrk="1" latinLnBrk="0" hangingPunct="1">
-      <a:defRPr kumimoji="1" sz="1800" kern="1200">
+    <a:lvl9pPr marL="3657600" algn="l" defTabSz="457200" rtl="0" eaLnBrk="1" latinLnBrk="0" hangingPunct="1">
+      <a:defRPr sz="1800" kern="1200">
         <a:solidFill>
           <a:schemeClr val="tx1"/>
         </a:solidFill>
@@ -131,7 +131,7 @@
       </p:grpSpPr>
       <p:sp>
         <p:nvSpPr>
-          <p:cNvPr id="2" name="タイトル 1"/>
+          <p:cNvPr id="2" name="Title 1"/>
           <p:cNvSpPr>
             <a:spLocks noGrp="1"/>
           </p:cNvSpPr>
@@ -141,29 +141,29 @@
         </p:nvSpPr>
         <p:spPr>
           <a:xfrm>
-            <a:off x="1524000" y="1122363"/>
-            <a:ext cx="9144000" cy="2387600"/>
+            <a:off x="1524000" y="530264"/>
+            <a:ext cx="9144000" cy="1128031"/>
           </a:xfrm>
         </p:spPr>
         <p:txBody>
           <a:bodyPr anchor="b"/>
           <a:lstStyle>
             <a:lvl1pPr algn="ctr">
-              <a:defRPr sz="6000"/>
+              <a:defRPr sz="2835"/>
             </a:lvl1pPr>
           </a:lstStyle>
           <a:p>
             <a:r>
-              <a:rPr kumimoji="1" lang="ja-JP" altLang="en-US" smtClean="0"/>
+              <a:rPr lang="ja-JP" altLang="en-US" smtClean="0"/>
               <a:t>マスター タイトルの書式設定</a:t>
             </a:r>
-            <a:endParaRPr kumimoji="1" lang="ja-JP" altLang="en-US"/>
-          </a:p>
-        </p:txBody>
-      </p:sp>
-      <p:sp>
-        <p:nvSpPr>
-          <p:cNvPr id="3" name="サブタイトル 2"/>
+            <a:endParaRPr lang="en-US" dirty="0"/>
+          </a:p>
+        </p:txBody>
+      </p:sp>
+      <p:sp>
+        <p:nvSpPr>
+          <p:cNvPr id="3" name="Subtitle 2"/>
           <p:cNvSpPr>
             <a:spLocks noGrp="1"/>
           </p:cNvSpPr>
@@ -173,8 +173,8 @@
         </p:nvSpPr>
         <p:spPr>
           <a:xfrm>
-            <a:off x="1524000" y="3602038"/>
-            <a:ext cx="9144000" cy="1655762"/>
+            <a:off x="1524000" y="1701796"/>
+            <a:ext cx="9144000" cy="782271"/>
           </a:xfrm>
         </p:spPr>
         <p:txBody>
@@ -182,53 +182,53 @@
           <a:lstStyle>
             <a:lvl1pPr marL="0" indent="0" algn="ctr">
               <a:buNone/>
-              <a:defRPr sz="2400"/>
+              <a:defRPr sz="1134"/>
             </a:lvl1pPr>
-            <a:lvl2pPr marL="457200" indent="0" algn="ctr">
-              <a:buNone/>
-              <a:defRPr sz="2000"/>
+            <a:lvl2pPr marL="216027" indent="0" algn="ctr">
+              <a:buNone/>
+              <a:defRPr sz="945"/>
             </a:lvl2pPr>
-            <a:lvl3pPr marL="914400" indent="0" algn="ctr">
-              <a:buNone/>
-              <a:defRPr sz="1800"/>
+            <a:lvl3pPr marL="432054" indent="0" algn="ctr">
+              <a:buNone/>
+              <a:defRPr sz="851"/>
             </a:lvl3pPr>
-            <a:lvl4pPr marL="1371600" indent="0" algn="ctr">
-              <a:buNone/>
-              <a:defRPr sz="1600"/>
+            <a:lvl4pPr marL="648081" indent="0" algn="ctr">
+              <a:buNone/>
+              <a:defRPr sz="756"/>
             </a:lvl4pPr>
-            <a:lvl5pPr marL="1828800" indent="0" algn="ctr">
-              <a:buNone/>
-              <a:defRPr sz="1600"/>
+            <a:lvl5pPr marL="864108" indent="0" algn="ctr">
+              <a:buNone/>
+              <a:defRPr sz="756"/>
             </a:lvl5pPr>
-            <a:lvl6pPr marL="2286000" indent="0" algn="ctr">
-              <a:buNone/>
-              <a:defRPr sz="1600"/>
+            <a:lvl6pPr marL="1080135" indent="0" algn="ctr">
+              <a:buNone/>
+              <a:defRPr sz="756"/>
             </a:lvl6pPr>
-            <a:lvl7pPr marL="2743200" indent="0" algn="ctr">
-              <a:buNone/>
-              <a:defRPr sz="1600"/>
+            <a:lvl7pPr marL="1296162" indent="0" algn="ctr">
+              <a:buNone/>
+              <a:defRPr sz="756"/>
             </a:lvl7pPr>
-            <a:lvl8pPr marL="3200400" indent="0" algn="ctr">
-              <a:buNone/>
-              <a:defRPr sz="1600"/>
+            <a:lvl8pPr marL="1512189" indent="0" algn="ctr">
+              <a:buNone/>
+              <a:defRPr sz="756"/>
             </a:lvl8pPr>
-            <a:lvl9pPr marL="3657600" indent="0" algn="ctr">
-              <a:buNone/>
-              <a:defRPr sz="1600"/>
+            <a:lvl9pPr marL="1728216" indent="0" algn="ctr">
+              <a:buNone/>
+              <a:defRPr sz="756"/>
             </a:lvl9pPr>
           </a:lstStyle>
           <a:p>
             <a:r>
-              <a:rPr kumimoji="1" lang="ja-JP" altLang="en-US" smtClean="0"/>
+              <a:rPr lang="ja-JP" altLang="en-US" smtClean="0"/>
               <a:t>マスター サブタイトルの書式設定</a:t>
             </a:r>
-            <a:endParaRPr kumimoji="1" lang="ja-JP" altLang="en-US"/>
-          </a:p>
-        </p:txBody>
-      </p:sp>
-      <p:sp>
-        <p:nvSpPr>
-          <p:cNvPr id="4" name="日付プレースホルダー 3"/>
+            <a:endParaRPr lang="en-US" dirty="0"/>
+          </a:p>
+        </p:txBody>
+      </p:sp>
+      <p:sp>
+        <p:nvSpPr>
+          <p:cNvPr id="4" name="Date Placeholder 3"/>
           <p:cNvSpPr>
             <a:spLocks noGrp="1"/>
           </p:cNvSpPr>
@@ -243,7 +243,7 @@
           <a:p>
             <a:fld id="{793083FE-F8B2-4577-9B92-6995EB3820F1}" type="datetimeFigureOut">
               <a:rPr kumimoji="1" lang="ja-JP" altLang="en-US" smtClean="0"/>
-              <a:t>2017/7/14</a:t>
+              <a:t>2017/11/16</a:t>
             </a:fld>
             <a:endParaRPr kumimoji="1" lang="ja-JP" altLang="en-US"/>
           </a:p>
@@ -251,7 +251,7 @@
       </p:sp>
       <p:sp>
         <p:nvSpPr>
-          <p:cNvPr id="5" name="フッター プレースホルダー 4"/>
+          <p:cNvPr id="5" name="Footer Placeholder 4"/>
           <p:cNvSpPr>
             <a:spLocks noGrp="1"/>
           </p:cNvSpPr>
@@ -270,7 +270,7 @@
       </p:sp>
       <p:sp>
         <p:nvSpPr>
-          <p:cNvPr id="6" name="スライド番号プレースホルダー 5"/>
+          <p:cNvPr id="6" name="Slide Number Placeholder 5"/>
           <p:cNvSpPr>
             <a:spLocks noGrp="1"/>
           </p:cNvSpPr>
@@ -294,7 +294,7 @@
     </p:spTree>
     <p:extLst>
       <p:ext uri="{BB962C8B-B14F-4D97-AF65-F5344CB8AC3E}">
-        <p14:creationId xmlns:p14="http://schemas.microsoft.com/office/powerpoint/2010/main" val="1910841763"/>
+        <p14:creationId xmlns:p14="http://schemas.microsoft.com/office/powerpoint/2010/main" val="1082389211"/>
       </p:ext>
     </p:extLst>
   </p:cSld>
@@ -323,7 +323,7 @@
       </p:grpSpPr>
       <p:sp>
         <p:nvSpPr>
-          <p:cNvPr id="2" name="タイトル 1"/>
+          <p:cNvPr id="2" name="Title 1"/>
           <p:cNvSpPr>
             <a:spLocks noGrp="1"/>
           </p:cNvSpPr>
@@ -337,16 +337,16 @@
           <a:lstStyle/>
           <a:p>
             <a:r>
-              <a:rPr kumimoji="1" lang="ja-JP" altLang="en-US" smtClean="0"/>
+              <a:rPr lang="ja-JP" altLang="en-US" smtClean="0"/>
               <a:t>マスター タイトルの書式設定</a:t>
             </a:r>
-            <a:endParaRPr kumimoji="1" lang="ja-JP" altLang="en-US"/>
-          </a:p>
-        </p:txBody>
-      </p:sp>
-      <p:sp>
-        <p:nvSpPr>
-          <p:cNvPr id="3" name="縦書きテキスト プレースホルダー 2"/>
+            <a:endParaRPr lang="en-US" dirty="0"/>
+          </a:p>
+        </p:txBody>
+      </p:sp>
+      <p:sp>
+        <p:nvSpPr>
+          <p:cNvPr id="3" name="Vertical Text Placeholder 2"/>
           <p:cNvSpPr>
             <a:spLocks noGrp="1"/>
           </p:cNvSpPr>
@@ -361,76 +361,76 @@
           <a:p>
             <a:pPr lvl="0"/>
             <a:r>
-              <a:rPr kumimoji="1" lang="ja-JP" altLang="en-US" smtClean="0"/>
+              <a:rPr lang="ja-JP" altLang="en-US" smtClean="0"/>
               <a:t>マスター テキストの書式設定</a:t>
             </a:r>
           </a:p>
           <a:p>
             <a:pPr lvl="1"/>
             <a:r>
-              <a:rPr kumimoji="1" lang="ja-JP" altLang="en-US" smtClean="0"/>
+              <a:rPr lang="ja-JP" altLang="en-US" smtClean="0"/>
               <a:t>第 </a:t>
             </a:r>
             <a:r>
-              <a:rPr kumimoji="1" lang="en-US" altLang="ja-JP" smtClean="0"/>
+              <a:rPr lang="en-US" altLang="ja-JP" smtClean="0"/>
               <a:t>2 </a:t>
             </a:r>
             <a:r>
-              <a:rPr kumimoji="1" lang="ja-JP" altLang="en-US" smtClean="0"/>
+              <a:rPr lang="ja-JP" altLang="en-US" smtClean="0"/>
               <a:t>レベル</a:t>
             </a:r>
           </a:p>
           <a:p>
             <a:pPr lvl="2"/>
             <a:r>
-              <a:rPr kumimoji="1" lang="ja-JP" altLang="en-US" smtClean="0"/>
+              <a:rPr lang="ja-JP" altLang="en-US" smtClean="0"/>
               <a:t>第 </a:t>
             </a:r>
             <a:r>
-              <a:rPr kumimoji="1" lang="en-US" altLang="ja-JP" smtClean="0"/>
+              <a:rPr lang="en-US" altLang="ja-JP" smtClean="0"/>
               <a:t>3 </a:t>
             </a:r>
             <a:r>
-              <a:rPr kumimoji="1" lang="ja-JP" altLang="en-US" smtClean="0"/>
+              <a:rPr lang="ja-JP" altLang="en-US" smtClean="0"/>
               <a:t>レベル</a:t>
             </a:r>
           </a:p>
           <a:p>
             <a:pPr lvl="3"/>
             <a:r>
-              <a:rPr kumimoji="1" lang="ja-JP" altLang="en-US" smtClean="0"/>
+              <a:rPr lang="ja-JP" altLang="en-US" smtClean="0"/>
               <a:t>第 </a:t>
             </a:r>
             <a:r>
-              <a:rPr kumimoji="1" lang="en-US" altLang="ja-JP" smtClean="0"/>
+              <a:rPr lang="en-US" altLang="ja-JP" smtClean="0"/>
               <a:t>4 </a:t>
             </a:r>
             <a:r>
-              <a:rPr kumimoji="1" lang="ja-JP" altLang="en-US" smtClean="0"/>
+              <a:rPr lang="ja-JP" altLang="en-US" smtClean="0"/>
               <a:t>レベル</a:t>
             </a:r>
           </a:p>
           <a:p>
             <a:pPr lvl="4"/>
             <a:r>
-              <a:rPr kumimoji="1" lang="ja-JP" altLang="en-US" smtClean="0"/>
+              <a:rPr lang="ja-JP" altLang="en-US" smtClean="0"/>
               <a:t>第 </a:t>
             </a:r>
             <a:r>
-              <a:rPr kumimoji="1" lang="en-US" altLang="ja-JP" smtClean="0"/>
+              <a:rPr lang="en-US" altLang="ja-JP" smtClean="0"/>
               <a:t>5 </a:t>
             </a:r>
             <a:r>
-              <a:rPr kumimoji="1" lang="ja-JP" altLang="en-US" smtClean="0"/>
+              <a:rPr lang="ja-JP" altLang="en-US" smtClean="0"/>
               <a:t>レベル</a:t>
             </a:r>
-            <a:endParaRPr kumimoji="1" lang="ja-JP" altLang="en-US"/>
-          </a:p>
-        </p:txBody>
-      </p:sp>
-      <p:sp>
-        <p:nvSpPr>
-          <p:cNvPr id="4" name="日付プレースホルダー 3"/>
+            <a:endParaRPr lang="en-US" dirty="0"/>
+          </a:p>
+        </p:txBody>
+      </p:sp>
+      <p:sp>
+        <p:nvSpPr>
+          <p:cNvPr id="4" name="Date Placeholder 3"/>
           <p:cNvSpPr>
             <a:spLocks noGrp="1"/>
           </p:cNvSpPr>
@@ -445,7 +445,7 @@
           <a:p>
             <a:fld id="{793083FE-F8B2-4577-9B92-6995EB3820F1}" type="datetimeFigureOut">
               <a:rPr kumimoji="1" lang="ja-JP" altLang="en-US" smtClean="0"/>
-              <a:t>2017/7/14</a:t>
+              <a:t>2017/11/16</a:t>
             </a:fld>
             <a:endParaRPr kumimoji="1" lang="ja-JP" altLang="en-US"/>
           </a:p>
@@ -453,7 +453,7 @@
       </p:sp>
       <p:sp>
         <p:nvSpPr>
-          <p:cNvPr id="5" name="フッター プレースホルダー 4"/>
+          <p:cNvPr id="5" name="Footer Placeholder 4"/>
           <p:cNvSpPr>
             <a:spLocks noGrp="1"/>
           </p:cNvSpPr>
@@ -472,7 +472,7 @@
       </p:sp>
       <p:sp>
         <p:nvSpPr>
-          <p:cNvPr id="6" name="スライド番号プレースホルダー 5"/>
+          <p:cNvPr id="6" name="Slide Number Placeholder 5"/>
           <p:cNvSpPr>
             <a:spLocks noGrp="1"/>
           </p:cNvSpPr>
@@ -496,7 +496,7 @@
     </p:spTree>
     <p:extLst>
       <p:ext uri="{BB962C8B-B14F-4D97-AF65-F5344CB8AC3E}">
-        <p14:creationId xmlns:p14="http://schemas.microsoft.com/office/powerpoint/2010/main" val="419820785"/>
+        <p14:creationId xmlns:p14="http://schemas.microsoft.com/office/powerpoint/2010/main" val="1866903668"/>
       </p:ext>
     </p:extLst>
   </p:cSld>
@@ -525,7 +525,7 @@
       </p:grpSpPr>
       <p:sp>
         <p:nvSpPr>
-          <p:cNvPr id="2" name="縦書きタイトル 1"/>
+          <p:cNvPr id="2" name="Vertical Title 1"/>
           <p:cNvSpPr>
             <a:spLocks noGrp="1"/>
           </p:cNvSpPr>
@@ -535,8 +535,8 @@
         </p:nvSpPr>
         <p:spPr>
           <a:xfrm>
-            <a:off x="8724900" y="365125"/>
-            <a:ext cx="2628900" cy="5811838"/>
+            <a:off x="8724900" y="172505"/>
+            <a:ext cx="2628900" cy="2745825"/>
           </a:xfrm>
         </p:spPr>
         <p:txBody>
@@ -544,16 +544,16 @@
           <a:lstStyle/>
           <a:p>
             <a:r>
-              <a:rPr kumimoji="1" lang="ja-JP" altLang="en-US" smtClean="0"/>
+              <a:rPr lang="ja-JP" altLang="en-US" smtClean="0"/>
               <a:t>マスター タイトルの書式設定</a:t>
             </a:r>
-            <a:endParaRPr kumimoji="1" lang="ja-JP" altLang="en-US"/>
-          </a:p>
-        </p:txBody>
-      </p:sp>
-      <p:sp>
-        <p:nvSpPr>
-          <p:cNvPr id="3" name="縦書きテキスト プレースホルダー 2"/>
+            <a:endParaRPr lang="en-US" dirty="0"/>
+          </a:p>
+        </p:txBody>
+      </p:sp>
+      <p:sp>
+        <p:nvSpPr>
+          <p:cNvPr id="3" name="Vertical Text Placeholder 2"/>
           <p:cNvSpPr>
             <a:spLocks noGrp="1"/>
           </p:cNvSpPr>
@@ -563,8 +563,8 @@
         </p:nvSpPr>
         <p:spPr>
           <a:xfrm>
-            <a:off x="838200" y="365125"/>
-            <a:ext cx="7734300" cy="5811838"/>
+            <a:off x="838200" y="172505"/>
+            <a:ext cx="7734300" cy="2745825"/>
           </a:xfrm>
         </p:spPr>
         <p:txBody>
@@ -573,76 +573,76 @@
           <a:p>
             <a:pPr lvl="0"/>
             <a:r>
-              <a:rPr kumimoji="1" lang="ja-JP" altLang="en-US" smtClean="0"/>
+              <a:rPr lang="ja-JP" altLang="en-US" smtClean="0"/>
               <a:t>マスター テキストの書式設定</a:t>
             </a:r>
           </a:p>
           <a:p>
             <a:pPr lvl="1"/>
             <a:r>
-              <a:rPr kumimoji="1" lang="ja-JP" altLang="en-US" smtClean="0"/>
+              <a:rPr lang="ja-JP" altLang="en-US" smtClean="0"/>
               <a:t>第 </a:t>
             </a:r>
             <a:r>
-              <a:rPr kumimoji="1" lang="en-US" altLang="ja-JP" smtClean="0"/>
+              <a:rPr lang="en-US" altLang="ja-JP" smtClean="0"/>
               <a:t>2 </a:t>
             </a:r>
             <a:r>
-              <a:rPr kumimoji="1" lang="ja-JP" altLang="en-US" smtClean="0"/>
+              <a:rPr lang="ja-JP" altLang="en-US" smtClean="0"/>
               <a:t>レベル</a:t>
             </a:r>
           </a:p>
           <a:p>
             <a:pPr lvl="2"/>
             <a:r>
-              <a:rPr kumimoji="1" lang="ja-JP" altLang="en-US" smtClean="0"/>
+              <a:rPr lang="ja-JP" altLang="en-US" smtClean="0"/>
               <a:t>第 </a:t>
             </a:r>
             <a:r>
-              <a:rPr kumimoji="1" lang="en-US" altLang="ja-JP" smtClean="0"/>
+              <a:rPr lang="en-US" altLang="ja-JP" smtClean="0"/>
               <a:t>3 </a:t>
             </a:r>
             <a:r>
-              <a:rPr kumimoji="1" lang="ja-JP" altLang="en-US" smtClean="0"/>
+              <a:rPr lang="ja-JP" altLang="en-US" smtClean="0"/>
               <a:t>レベル</a:t>
             </a:r>
           </a:p>
           <a:p>
             <a:pPr lvl="3"/>
             <a:r>
-              <a:rPr kumimoji="1" lang="ja-JP" altLang="en-US" smtClean="0"/>
+              <a:rPr lang="ja-JP" altLang="en-US" smtClean="0"/>
               <a:t>第 </a:t>
             </a:r>
             <a:r>
-              <a:rPr kumimoji="1" lang="en-US" altLang="ja-JP" smtClean="0"/>
+              <a:rPr lang="en-US" altLang="ja-JP" smtClean="0"/>
               <a:t>4 </a:t>
             </a:r>
             <a:r>
-              <a:rPr kumimoji="1" lang="ja-JP" altLang="en-US" smtClean="0"/>
+              <a:rPr lang="ja-JP" altLang="en-US" smtClean="0"/>
               <a:t>レベル</a:t>
             </a:r>
           </a:p>
           <a:p>
             <a:pPr lvl="4"/>
             <a:r>
-              <a:rPr kumimoji="1" lang="ja-JP" altLang="en-US" smtClean="0"/>
+              <a:rPr lang="ja-JP" altLang="en-US" smtClean="0"/>
               <a:t>第 </a:t>
             </a:r>
             <a:r>
-              <a:rPr kumimoji="1" lang="en-US" altLang="ja-JP" smtClean="0"/>
+              <a:rPr lang="en-US" altLang="ja-JP" smtClean="0"/>
               <a:t>5 </a:t>
             </a:r>
             <a:r>
-              <a:rPr kumimoji="1" lang="ja-JP" altLang="en-US" smtClean="0"/>
+              <a:rPr lang="ja-JP" altLang="en-US" smtClean="0"/>
               <a:t>レベル</a:t>
             </a:r>
-            <a:endParaRPr kumimoji="1" lang="ja-JP" altLang="en-US"/>
-          </a:p>
-        </p:txBody>
-      </p:sp>
-      <p:sp>
-        <p:nvSpPr>
-          <p:cNvPr id="4" name="日付プレースホルダー 3"/>
+            <a:endParaRPr lang="en-US" dirty="0"/>
+          </a:p>
+        </p:txBody>
+      </p:sp>
+      <p:sp>
+        <p:nvSpPr>
+          <p:cNvPr id="4" name="Date Placeholder 3"/>
           <p:cNvSpPr>
             <a:spLocks noGrp="1"/>
           </p:cNvSpPr>
@@ -657,7 +657,7 @@
           <a:p>
             <a:fld id="{793083FE-F8B2-4577-9B92-6995EB3820F1}" type="datetimeFigureOut">
               <a:rPr kumimoji="1" lang="ja-JP" altLang="en-US" smtClean="0"/>
-              <a:t>2017/7/14</a:t>
+              <a:t>2017/11/16</a:t>
             </a:fld>
             <a:endParaRPr kumimoji="1" lang="ja-JP" altLang="en-US"/>
           </a:p>
@@ -665,7 +665,7 @@
       </p:sp>
       <p:sp>
         <p:nvSpPr>
-          <p:cNvPr id="5" name="フッター プレースホルダー 4"/>
+          <p:cNvPr id="5" name="Footer Placeholder 4"/>
           <p:cNvSpPr>
             <a:spLocks noGrp="1"/>
           </p:cNvSpPr>
@@ -684,7 +684,7 @@
       </p:sp>
       <p:sp>
         <p:nvSpPr>
-          <p:cNvPr id="6" name="スライド番号プレースホルダー 5"/>
+          <p:cNvPr id="6" name="Slide Number Placeholder 5"/>
           <p:cNvSpPr>
             <a:spLocks noGrp="1"/>
           </p:cNvSpPr>
@@ -708,7 +708,7 @@
     </p:spTree>
     <p:extLst>
       <p:ext uri="{BB962C8B-B14F-4D97-AF65-F5344CB8AC3E}">
-        <p14:creationId xmlns:p14="http://schemas.microsoft.com/office/powerpoint/2010/main" val="2389041137"/>
+        <p14:creationId xmlns:p14="http://schemas.microsoft.com/office/powerpoint/2010/main" val="2557727954"/>
       </p:ext>
     </p:extLst>
   </p:cSld>
@@ -737,7 +737,7 @@
       </p:grpSpPr>
       <p:sp>
         <p:nvSpPr>
-          <p:cNvPr id="2" name="タイトル 1"/>
+          <p:cNvPr id="2" name="Title 1"/>
           <p:cNvSpPr>
             <a:spLocks noGrp="1"/>
           </p:cNvSpPr>
@@ -751,16 +751,16 @@
           <a:lstStyle/>
           <a:p>
             <a:r>
-              <a:rPr kumimoji="1" lang="ja-JP" altLang="en-US" smtClean="0"/>
+              <a:rPr lang="ja-JP" altLang="en-US" smtClean="0"/>
               <a:t>マスター タイトルの書式設定</a:t>
             </a:r>
-            <a:endParaRPr kumimoji="1" lang="ja-JP" altLang="en-US"/>
-          </a:p>
-        </p:txBody>
-      </p:sp>
-      <p:sp>
-        <p:nvSpPr>
-          <p:cNvPr id="3" name="コンテンツ プレースホルダー 2"/>
+            <a:endParaRPr lang="en-US" dirty="0"/>
+          </a:p>
+        </p:txBody>
+      </p:sp>
+      <p:sp>
+        <p:nvSpPr>
+          <p:cNvPr id="3" name="Content Placeholder 2"/>
           <p:cNvSpPr>
             <a:spLocks noGrp="1"/>
           </p:cNvSpPr>
@@ -775,76 +775,76 @@
           <a:p>
             <a:pPr lvl="0"/>
             <a:r>
-              <a:rPr kumimoji="1" lang="ja-JP" altLang="en-US" smtClean="0"/>
+              <a:rPr lang="ja-JP" altLang="en-US" smtClean="0"/>
               <a:t>マスター テキストの書式設定</a:t>
             </a:r>
           </a:p>
           <a:p>
             <a:pPr lvl="1"/>
             <a:r>
-              <a:rPr kumimoji="1" lang="ja-JP" altLang="en-US" smtClean="0"/>
+              <a:rPr lang="ja-JP" altLang="en-US" smtClean="0"/>
               <a:t>第 </a:t>
             </a:r>
             <a:r>
-              <a:rPr kumimoji="1" lang="en-US" altLang="ja-JP" smtClean="0"/>
+              <a:rPr lang="en-US" altLang="ja-JP" smtClean="0"/>
               <a:t>2 </a:t>
             </a:r>
             <a:r>
-              <a:rPr kumimoji="1" lang="ja-JP" altLang="en-US" smtClean="0"/>
+              <a:rPr lang="ja-JP" altLang="en-US" smtClean="0"/>
               <a:t>レベル</a:t>
             </a:r>
           </a:p>
           <a:p>
             <a:pPr lvl="2"/>
             <a:r>
-              <a:rPr kumimoji="1" lang="ja-JP" altLang="en-US" smtClean="0"/>
+              <a:rPr lang="ja-JP" altLang="en-US" smtClean="0"/>
               <a:t>第 </a:t>
             </a:r>
             <a:r>
-              <a:rPr kumimoji="1" lang="en-US" altLang="ja-JP" smtClean="0"/>
+              <a:rPr lang="en-US" altLang="ja-JP" smtClean="0"/>
               <a:t>3 </a:t>
             </a:r>
             <a:r>
-              <a:rPr kumimoji="1" lang="ja-JP" altLang="en-US" smtClean="0"/>
+              <a:rPr lang="ja-JP" altLang="en-US" smtClean="0"/>
               <a:t>レベル</a:t>
             </a:r>
           </a:p>
           <a:p>
             <a:pPr lvl="3"/>
             <a:r>
-              <a:rPr kumimoji="1" lang="ja-JP" altLang="en-US" smtClean="0"/>
+              <a:rPr lang="ja-JP" altLang="en-US" smtClean="0"/>
               <a:t>第 </a:t>
             </a:r>
             <a:r>
-              <a:rPr kumimoji="1" lang="en-US" altLang="ja-JP" smtClean="0"/>
+              <a:rPr lang="en-US" altLang="ja-JP" smtClean="0"/>
               <a:t>4 </a:t>
             </a:r>
             <a:r>
-              <a:rPr kumimoji="1" lang="ja-JP" altLang="en-US" smtClean="0"/>
+              <a:rPr lang="ja-JP" altLang="en-US" smtClean="0"/>
               <a:t>レベル</a:t>
             </a:r>
           </a:p>
           <a:p>
             <a:pPr lvl="4"/>
             <a:r>
-              <a:rPr kumimoji="1" lang="ja-JP" altLang="en-US" smtClean="0"/>
+              <a:rPr lang="ja-JP" altLang="en-US" smtClean="0"/>
               <a:t>第 </a:t>
             </a:r>
             <a:r>
-              <a:rPr kumimoji="1" lang="en-US" altLang="ja-JP" smtClean="0"/>
+              <a:rPr lang="en-US" altLang="ja-JP" smtClean="0"/>
               <a:t>5 </a:t>
             </a:r>
             <a:r>
-              <a:rPr kumimoji="1" lang="ja-JP" altLang="en-US" smtClean="0"/>
+              <a:rPr lang="ja-JP" altLang="en-US" smtClean="0"/>
               <a:t>レベル</a:t>
             </a:r>
-            <a:endParaRPr kumimoji="1" lang="ja-JP" altLang="en-US"/>
-          </a:p>
-        </p:txBody>
-      </p:sp>
-      <p:sp>
-        <p:nvSpPr>
-          <p:cNvPr id="4" name="日付プレースホルダー 3"/>
+            <a:endParaRPr lang="en-US" dirty="0"/>
+          </a:p>
+        </p:txBody>
+      </p:sp>
+      <p:sp>
+        <p:nvSpPr>
+          <p:cNvPr id="4" name="Date Placeholder 3"/>
           <p:cNvSpPr>
             <a:spLocks noGrp="1"/>
           </p:cNvSpPr>
@@ -859,7 +859,7 @@
           <a:p>
             <a:fld id="{793083FE-F8B2-4577-9B92-6995EB3820F1}" type="datetimeFigureOut">
               <a:rPr kumimoji="1" lang="ja-JP" altLang="en-US" smtClean="0"/>
-              <a:t>2017/7/14</a:t>
+              <a:t>2017/11/16</a:t>
             </a:fld>
             <a:endParaRPr kumimoji="1" lang="ja-JP" altLang="en-US"/>
           </a:p>
@@ -867,7 +867,7 @@
       </p:sp>
       <p:sp>
         <p:nvSpPr>
-          <p:cNvPr id="5" name="フッター プレースホルダー 4"/>
+          <p:cNvPr id="5" name="Footer Placeholder 4"/>
           <p:cNvSpPr>
             <a:spLocks noGrp="1"/>
           </p:cNvSpPr>
@@ -886,7 +886,7 @@
       </p:sp>
       <p:sp>
         <p:nvSpPr>
-          <p:cNvPr id="6" name="スライド番号プレースホルダー 5"/>
+          <p:cNvPr id="6" name="Slide Number Placeholder 5"/>
           <p:cNvSpPr>
             <a:spLocks noGrp="1"/>
           </p:cNvSpPr>
@@ -910,7 +910,7 @@
     </p:spTree>
     <p:extLst>
       <p:ext uri="{BB962C8B-B14F-4D97-AF65-F5344CB8AC3E}">
-        <p14:creationId xmlns:p14="http://schemas.microsoft.com/office/powerpoint/2010/main" val="1138132558"/>
+        <p14:creationId xmlns:p14="http://schemas.microsoft.com/office/powerpoint/2010/main" val="2318510308"/>
       </p:ext>
     </p:extLst>
   </p:cSld>
@@ -939,7 +939,7 @@
       </p:grpSpPr>
       <p:sp>
         <p:nvSpPr>
-          <p:cNvPr id="2" name="タイトル 1"/>
+          <p:cNvPr id="2" name="Title 1"/>
           <p:cNvSpPr>
             <a:spLocks noGrp="1"/>
           </p:cNvSpPr>
@@ -949,29 +949,29 @@
         </p:nvSpPr>
         <p:spPr>
           <a:xfrm>
-            <a:off x="831850" y="1709738"/>
-            <a:ext cx="10515600" cy="2852737"/>
+            <a:off x="831850" y="807773"/>
+            <a:ext cx="10515600" cy="1347786"/>
           </a:xfrm>
         </p:spPr>
         <p:txBody>
           <a:bodyPr anchor="b"/>
           <a:lstStyle>
             <a:lvl1pPr>
-              <a:defRPr sz="6000"/>
+              <a:defRPr sz="2835"/>
             </a:lvl1pPr>
           </a:lstStyle>
           <a:p>
             <a:r>
-              <a:rPr kumimoji="1" lang="ja-JP" altLang="en-US" smtClean="0"/>
+              <a:rPr lang="ja-JP" altLang="en-US" smtClean="0"/>
               <a:t>マスター タイトルの書式設定</a:t>
             </a:r>
-            <a:endParaRPr kumimoji="1" lang="ja-JP" altLang="en-US"/>
-          </a:p>
-        </p:txBody>
-      </p:sp>
-      <p:sp>
-        <p:nvSpPr>
-          <p:cNvPr id="3" name="テキスト プレースホルダー 2"/>
+            <a:endParaRPr lang="en-US" dirty="0"/>
+          </a:p>
+        </p:txBody>
+      </p:sp>
+      <p:sp>
+        <p:nvSpPr>
+          <p:cNvPr id="3" name="Text Placeholder 2"/>
           <p:cNvSpPr>
             <a:spLocks noGrp="1"/>
           </p:cNvSpPr>
@@ -981,8 +981,8 @@
         </p:nvSpPr>
         <p:spPr>
           <a:xfrm>
-            <a:off x="831850" y="4589463"/>
-            <a:ext cx="10515600" cy="1500187"/>
+            <a:off x="831850" y="2168309"/>
+            <a:ext cx="10515600" cy="708769"/>
           </a:xfrm>
         </p:spPr>
         <p:txBody>
@@ -990,7 +990,7 @@
           <a:lstStyle>
             <a:lvl1pPr marL="0" indent="0">
               <a:buNone/>
-              <a:defRPr sz="2400">
+              <a:defRPr sz="1134">
                 <a:solidFill>
                   <a:schemeClr val="tx1">
                     <a:tint val="75000"/>
@@ -998,9 +998,9 @@
                 </a:solidFill>
               </a:defRPr>
             </a:lvl1pPr>
-            <a:lvl2pPr marL="457200" indent="0">
-              <a:buNone/>
-              <a:defRPr sz="2000">
+            <a:lvl2pPr marL="216027" indent="0">
+              <a:buNone/>
+              <a:defRPr sz="945">
                 <a:solidFill>
                   <a:schemeClr val="tx1">
                     <a:tint val="75000"/>
@@ -1008,9 +1008,9 @@
                 </a:solidFill>
               </a:defRPr>
             </a:lvl2pPr>
-            <a:lvl3pPr marL="914400" indent="0">
-              <a:buNone/>
-              <a:defRPr sz="1800">
+            <a:lvl3pPr marL="432054" indent="0">
+              <a:buNone/>
+              <a:defRPr sz="851">
                 <a:solidFill>
                   <a:schemeClr val="tx1">
                     <a:tint val="75000"/>
@@ -1018,9 +1018,9 @@
                 </a:solidFill>
               </a:defRPr>
             </a:lvl3pPr>
-            <a:lvl4pPr marL="1371600" indent="0">
-              <a:buNone/>
-              <a:defRPr sz="1600">
+            <a:lvl4pPr marL="648081" indent="0">
+              <a:buNone/>
+              <a:defRPr sz="756">
                 <a:solidFill>
                   <a:schemeClr val="tx1">
                     <a:tint val="75000"/>
@@ -1028,9 +1028,9 @@
                 </a:solidFill>
               </a:defRPr>
             </a:lvl4pPr>
-            <a:lvl5pPr marL="1828800" indent="0">
-              <a:buNone/>
-              <a:defRPr sz="1600">
+            <a:lvl5pPr marL="864108" indent="0">
+              <a:buNone/>
+              <a:defRPr sz="756">
                 <a:solidFill>
                   <a:schemeClr val="tx1">
                     <a:tint val="75000"/>
@@ -1038,9 +1038,9 @@
                 </a:solidFill>
               </a:defRPr>
             </a:lvl5pPr>
-            <a:lvl6pPr marL="2286000" indent="0">
-              <a:buNone/>
-              <a:defRPr sz="1600">
+            <a:lvl6pPr marL="1080135" indent="0">
+              <a:buNone/>
+              <a:defRPr sz="756">
                 <a:solidFill>
                   <a:schemeClr val="tx1">
                     <a:tint val="75000"/>
@@ -1048,9 +1048,9 @@
                 </a:solidFill>
               </a:defRPr>
             </a:lvl6pPr>
-            <a:lvl7pPr marL="2743200" indent="0">
-              <a:buNone/>
-              <a:defRPr sz="1600">
+            <a:lvl7pPr marL="1296162" indent="0">
+              <a:buNone/>
+              <a:defRPr sz="756">
                 <a:solidFill>
                   <a:schemeClr val="tx1">
                     <a:tint val="75000"/>
@@ -1058,9 +1058,9 @@
                 </a:solidFill>
               </a:defRPr>
             </a:lvl7pPr>
-            <a:lvl8pPr marL="3200400" indent="0">
-              <a:buNone/>
-              <a:defRPr sz="1600">
+            <a:lvl8pPr marL="1512189" indent="0">
+              <a:buNone/>
+              <a:defRPr sz="756">
                 <a:solidFill>
                   <a:schemeClr val="tx1">
                     <a:tint val="75000"/>
@@ -1068,9 +1068,9 @@
                 </a:solidFill>
               </a:defRPr>
             </a:lvl8pPr>
-            <a:lvl9pPr marL="3657600" indent="0">
-              <a:buNone/>
-              <a:defRPr sz="1600">
+            <a:lvl9pPr marL="1728216" indent="0">
+              <a:buNone/>
+              <a:defRPr sz="756">
                 <a:solidFill>
                   <a:schemeClr val="tx1">
                     <a:tint val="75000"/>
@@ -1082,7 +1082,7 @@
           <a:p>
             <a:pPr lvl="0"/>
             <a:r>
-              <a:rPr kumimoji="1" lang="ja-JP" altLang="en-US" smtClean="0"/>
+              <a:rPr lang="ja-JP" altLang="en-US" smtClean="0"/>
               <a:t>マスター テキストの書式設定</a:t>
             </a:r>
           </a:p>
@@ -1090,7 +1090,7 @@
       </p:sp>
       <p:sp>
         <p:nvSpPr>
-          <p:cNvPr id="4" name="日付プレースホルダー 3"/>
+          <p:cNvPr id="4" name="Date Placeholder 3"/>
           <p:cNvSpPr>
             <a:spLocks noGrp="1"/>
           </p:cNvSpPr>
@@ -1105,7 +1105,7 @@
           <a:p>
             <a:fld id="{793083FE-F8B2-4577-9B92-6995EB3820F1}" type="datetimeFigureOut">
               <a:rPr kumimoji="1" lang="ja-JP" altLang="en-US" smtClean="0"/>
-              <a:t>2017/7/14</a:t>
+              <a:t>2017/11/16</a:t>
             </a:fld>
             <a:endParaRPr kumimoji="1" lang="ja-JP" altLang="en-US"/>
           </a:p>
@@ -1113,7 +1113,7 @@
       </p:sp>
       <p:sp>
         <p:nvSpPr>
-          <p:cNvPr id="5" name="フッター プレースホルダー 4"/>
+          <p:cNvPr id="5" name="Footer Placeholder 4"/>
           <p:cNvSpPr>
             <a:spLocks noGrp="1"/>
           </p:cNvSpPr>
@@ -1132,7 +1132,7 @@
       </p:sp>
       <p:sp>
         <p:nvSpPr>
-          <p:cNvPr id="6" name="スライド番号プレースホルダー 5"/>
+          <p:cNvPr id="6" name="Slide Number Placeholder 5"/>
           <p:cNvSpPr>
             <a:spLocks noGrp="1"/>
           </p:cNvSpPr>
@@ -1156,7 +1156,7 @@
     </p:spTree>
     <p:extLst>
       <p:ext uri="{BB962C8B-B14F-4D97-AF65-F5344CB8AC3E}">
-        <p14:creationId xmlns:p14="http://schemas.microsoft.com/office/powerpoint/2010/main" val="609657834"/>
+        <p14:creationId xmlns:p14="http://schemas.microsoft.com/office/powerpoint/2010/main" val="82322815"/>
       </p:ext>
     </p:extLst>
   </p:cSld>
@@ -1185,7 +1185,7 @@
       </p:grpSpPr>
       <p:sp>
         <p:nvSpPr>
-          <p:cNvPr id="2" name="タイトル 1"/>
+          <p:cNvPr id="2" name="Title 1"/>
           <p:cNvSpPr>
             <a:spLocks noGrp="1"/>
           </p:cNvSpPr>
@@ -1199,16 +1199,16 @@
           <a:lstStyle/>
           <a:p>
             <a:r>
-              <a:rPr kumimoji="1" lang="ja-JP" altLang="en-US" smtClean="0"/>
+              <a:rPr lang="ja-JP" altLang="en-US" smtClean="0"/>
               <a:t>マスター タイトルの書式設定</a:t>
             </a:r>
-            <a:endParaRPr kumimoji="1" lang="ja-JP" altLang="en-US"/>
-          </a:p>
-        </p:txBody>
-      </p:sp>
-      <p:sp>
-        <p:nvSpPr>
-          <p:cNvPr id="3" name="コンテンツ プレースホルダー 2"/>
+            <a:endParaRPr lang="en-US" dirty="0"/>
+          </a:p>
+        </p:txBody>
+      </p:sp>
+      <p:sp>
+        <p:nvSpPr>
+          <p:cNvPr id="3" name="Content Placeholder 2"/>
           <p:cNvSpPr>
             <a:spLocks noGrp="1"/>
           </p:cNvSpPr>
@@ -1218,8 +1218,8 @@
         </p:nvSpPr>
         <p:spPr>
           <a:xfrm>
-            <a:off x="838200" y="1825625"/>
-            <a:ext cx="5181600" cy="4351338"/>
+            <a:off x="838200" y="862523"/>
+            <a:ext cx="5181600" cy="2055806"/>
           </a:xfrm>
         </p:spPr>
         <p:txBody>
@@ -1228,76 +1228,76 @@
           <a:p>
             <a:pPr lvl="0"/>
             <a:r>
-              <a:rPr kumimoji="1" lang="ja-JP" altLang="en-US" smtClean="0"/>
+              <a:rPr lang="ja-JP" altLang="en-US" smtClean="0"/>
               <a:t>マスター テキストの書式設定</a:t>
             </a:r>
           </a:p>
           <a:p>
             <a:pPr lvl="1"/>
             <a:r>
-              <a:rPr kumimoji="1" lang="ja-JP" altLang="en-US" smtClean="0"/>
+              <a:rPr lang="ja-JP" altLang="en-US" smtClean="0"/>
               <a:t>第 </a:t>
             </a:r>
             <a:r>
-              <a:rPr kumimoji="1" lang="en-US" altLang="ja-JP" smtClean="0"/>
+              <a:rPr lang="en-US" altLang="ja-JP" smtClean="0"/>
               <a:t>2 </a:t>
             </a:r>
             <a:r>
-              <a:rPr kumimoji="1" lang="ja-JP" altLang="en-US" smtClean="0"/>
+              <a:rPr lang="ja-JP" altLang="en-US" smtClean="0"/>
               <a:t>レベル</a:t>
             </a:r>
           </a:p>
           <a:p>
             <a:pPr lvl="2"/>
             <a:r>
-              <a:rPr kumimoji="1" lang="ja-JP" altLang="en-US" smtClean="0"/>
+              <a:rPr lang="ja-JP" altLang="en-US" smtClean="0"/>
               <a:t>第 </a:t>
             </a:r>
             <a:r>
-              <a:rPr kumimoji="1" lang="en-US" altLang="ja-JP" smtClean="0"/>
+              <a:rPr lang="en-US" altLang="ja-JP" smtClean="0"/>
               <a:t>3 </a:t>
             </a:r>
             <a:r>
-              <a:rPr kumimoji="1" lang="ja-JP" altLang="en-US" smtClean="0"/>
+              <a:rPr lang="ja-JP" altLang="en-US" smtClean="0"/>
               <a:t>レベル</a:t>
             </a:r>
           </a:p>
           <a:p>
             <a:pPr lvl="3"/>
             <a:r>
-              <a:rPr kumimoji="1" lang="ja-JP" altLang="en-US" smtClean="0"/>
+              <a:rPr lang="ja-JP" altLang="en-US" smtClean="0"/>
               <a:t>第 </a:t>
             </a:r>
             <a:r>
-              <a:rPr kumimoji="1" lang="en-US" altLang="ja-JP" smtClean="0"/>
+              <a:rPr lang="en-US" altLang="ja-JP" smtClean="0"/>
               <a:t>4 </a:t>
             </a:r>
             <a:r>
-              <a:rPr kumimoji="1" lang="ja-JP" altLang="en-US" smtClean="0"/>
+              <a:rPr lang="ja-JP" altLang="en-US" smtClean="0"/>
               <a:t>レベル</a:t>
             </a:r>
           </a:p>
           <a:p>
             <a:pPr lvl="4"/>
             <a:r>
-              <a:rPr kumimoji="1" lang="ja-JP" altLang="en-US" smtClean="0"/>
+              <a:rPr lang="ja-JP" altLang="en-US" smtClean="0"/>
               <a:t>第 </a:t>
             </a:r>
             <a:r>
-              <a:rPr kumimoji="1" lang="en-US" altLang="ja-JP" smtClean="0"/>
+              <a:rPr lang="en-US" altLang="ja-JP" smtClean="0"/>
               <a:t>5 </a:t>
             </a:r>
             <a:r>
-              <a:rPr kumimoji="1" lang="ja-JP" altLang="en-US" smtClean="0"/>
+              <a:rPr lang="ja-JP" altLang="en-US" smtClean="0"/>
               <a:t>レベル</a:t>
             </a:r>
-            <a:endParaRPr kumimoji="1" lang="ja-JP" altLang="en-US"/>
-          </a:p>
-        </p:txBody>
-      </p:sp>
-      <p:sp>
-        <p:nvSpPr>
-          <p:cNvPr id="4" name="コンテンツ プレースホルダー 3"/>
+            <a:endParaRPr lang="en-US" dirty="0"/>
+          </a:p>
+        </p:txBody>
+      </p:sp>
+      <p:sp>
+        <p:nvSpPr>
+          <p:cNvPr id="4" name="Content Placeholder 3"/>
           <p:cNvSpPr>
             <a:spLocks noGrp="1"/>
           </p:cNvSpPr>
@@ -1307,8 +1307,8 @@
         </p:nvSpPr>
         <p:spPr>
           <a:xfrm>
-            <a:off x="6172200" y="1825625"/>
-            <a:ext cx="5181600" cy="4351338"/>
+            <a:off x="6172200" y="862523"/>
+            <a:ext cx="5181600" cy="2055806"/>
           </a:xfrm>
         </p:spPr>
         <p:txBody>
@@ -1317,76 +1317,76 @@
           <a:p>
             <a:pPr lvl="0"/>
             <a:r>
-              <a:rPr kumimoji="1" lang="ja-JP" altLang="en-US" smtClean="0"/>
+              <a:rPr lang="ja-JP" altLang="en-US" smtClean="0"/>
               <a:t>マスター テキストの書式設定</a:t>
             </a:r>
           </a:p>
           <a:p>
             <a:pPr lvl="1"/>
             <a:r>
-              <a:rPr kumimoji="1" lang="ja-JP" altLang="en-US" smtClean="0"/>
+              <a:rPr lang="ja-JP" altLang="en-US" smtClean="0"/>
               <a:t>第 </a:t>
             </a:r>
             <a:r>
-              <a:rPr kumimoji="1" lang="en-US" altLang="ja-JP" smtClean="0"/>
+              <a:rPr lang="en-US" altLang="ja-JP" smtClean="0"/>
               <a:t>2 </a:t>
             </a:r>
             <a:r>
-              <a:rPr kumimoji="1" lang="ja-JP" altLang="en-US" smtClean="0"/>
+              <a:rPr lang="ja-JP" altLang="en-US" smtClean="0"/>
               <a:t>レベル</a:t>
             </a:r>
           </a:p>
           <a:p>
             <a:pPr lvl="2"/>
             <a:r>
-              <a:rPr kumimoji="1" lang="ja-JP" altLang="en-US" smtClean="0"/>
+              <a:rPr lang="ja-JP" altLang="en-US" smtClean="0"/>
               <a:t>第 </a:t>
             </a:r>
             <a:r>
-              <a:rPr kumimoji="1" lang="en-US" altLang="ja-JP" smtClean="0"/>
+              <a:rPr lang="en-US" altLang="ja-JP" smtClean="0"/>
               <a:t>3 </a:t>
             </a:r>
             <a:r>
-              <a:rPr kumimoji="1" lang="ja-JP" altLang="en-US" smtClean="0"/>
+              <a:rPr lang="ja-JP" altLang="en-US" smtClean="0"/>
               <a:t>レベル</a:t>
             </a:r>
           </a:p>
           <a:p>
             <a:pPr lvl="3"/>
             <a:r>
-              <a:rPr kumimoji="1" lang="ja-JP" altLang="en-US" smtClean="0"/>
+              <a:rPr lang="ja-JP" altLang="en-US" smtClean="0"/>
               <a:t>第 </a:t>
             </a:r>
             <a:r>
-              <a:rPr kumimoji="1" lang="en-US" altLang="ja-JP" smtClean="0"/>
+              <a:rPr lang="en-US" altLang="ja-JP" smtClean="0"/>
               <a:t>4 </a:t>
             </a:r>
             <a:r>
-              <a:rPr kumimoji="1" lang="ja-JP" altLang="en-US" smtClean="0"/>
+              <a:rPr lang="ja-JP" altLang="en-US" smtClean="0"/>
               <a:t>レベル</a:t>
             </a:r>
           </a:p>
           <a:p>
             <a:pPr lvl="4"/>
             <a:r>
-              <a:rPr kumimoji="1" lang="ja-JP" altLang="en-US" smtClean="0"/>
+              <a:rPr lang="ja-JP" altLang="en-US" smtClean="0"/>
               <a:t>第 </a:t>
             </a:r>
             <a:r>
-              <a:rPr kumimoji="1" lang="en-US" altLang="ja-JP" smtClean="0"/>
+              <a:rPr lang="en-US" altLang="ja-JP" smtClean="0"/>
               <a:t>5 </a:t>
             </a:r>
             <a:r>
-              <a:rPr kumimoji="1" lang="ja-JP" altLang="en-US" smtClean="0"/>
+              <a:rPr lang="ja-JP" altLang="en-US" smtClean="0"/>
               <a:t>レベル</a:t>
             </a:r>
-            <a:endParaRPr kumimoji="1" lang="ja-JP" altLang="en-US"/>
-          </a:p>
-        </p:txBody>
-      </p:sp>
-      <p:sp>
-        <p:nvSpPr>
-          <p:cNvPr id="5" name="日付プレースホルダー 4"/>
+            <a:endParaRPr lang="en-US" dirty="0"/>
+          </a:p>
+        </p:txBody>
+      </p:sp>
+      <p:sp>
+        <p:nvSpPr>
+          <p:cNvPr id="5" name="Date Placeholder 4"/>
           <p:cNvSpPr>
             <a:spLocks noGrp="1"/>
           </p:cNvSpPr>
@@ -1401,7 +1401,7 @@
           <a:p>
             <a:fld id="{793083FE-F8B2-4577-9B92-6995EB3820F1}" type="datetimeFigureOut">
               <a:rPr kumimoji="1" lang="ja-JP" altLang="en-US" smtClean="0"/>
-              <a:t>2017/7/14</a:t>
+              <a:t>2017/11/16</a:t>
             </a:fld>
             <a:endParaRPr kumimoji="1" lang="ja-JP" altLang="en-US"/>
           </a:p>
@@ -1409,7 +1409,7 @@
       </p:sp>
       <p:sp>
         <p:nvSpPr>
-          <p:cNvPr id="6" name="フッター プレースホルダー 5"/>
+          <p:cNvPr id="6" name="Footer Placeholder 5"/>
           <p:cNvSpPr>
             <a:spLocks noGrp="1"/>
           </p:cNvSpPr>
@@ -1428,7 +1428,7 @@
       </p:sp>
       <p:sp>
         <p:nvSpPr>
-          <p:cNvPr id="7" name="スライド番号プレースホルダー 6"/>
+          <p:cNvPr id="7" name="Slide Number Placeholder 6"/>
           <p:cNvSpPr>
             <a:spLocks noGrp="1"/>
           </p:cNvSpPr>
@@ -1452,7 +1452,7 @@
     </p:spTree>
     <p:extLst>
       <p:ext uri="{BB962C8B-B14F-4D97-AF65-F5344CB8AC3E}">
-        <p14:creationId xmlns:p14="http://schemas.microsoft.com/office/powerpoint/2010/main" val="2232048626"/>
+        <p14:creationId xmlns:p14="http://schemas.microsoft.com/office/powerpoint/2010/main" val="425858419"/>
       </p:ext>
     </p:extLst>
   </p:cSld>
@@ -1481,7 +1481,7 @@
       </p:grpSpPr>
       <p:sp>
         <p:nvSpPr>
-          <p:cNvPr id="2" name="タイトル 1"/>
+          <p:cNvPr id="2" name="Title 1"/>
           <p:cNvSpPr>
             <a:spLocks noGrp="1"/>
           </p:cNvSpPr>
@@ -1491,8 +1491,8 @@
         </p:nvSpPr>
         <p:spPr>
           <a:xfrm>
-            <a:off x="839788" y="365125"/>
-            <a:ext cx="10515600" cy="1325563"/>
+            <a:off x="839788" y="172505"/>
+            <a:ext cx="10515600" cy="626267"/>
           </a:xfrm>
         </p:spPr>
         <p:txBody>
@@ -1500,16 +1500,16 @@
           <a:lstStyle/>
           <a:p>
             <a:r>
-              <a:rPr kumimoji="1" lang="ja-JP" altLang="en-US" smtClean="0"/>
+              <a:rPr lang="ja-JP" altLang="en-US" smtClean="0"/>
               <a:t>マスター タイトルの書式設定</a:t>
             </a:r>
-            <a:endParaRPr kumimoji="1" lang="ja-JP" altLang="en-US"/>
-          </a:p>
-        </p:txBody>
-      </p:sp>
-      <p:sp>
-        <p:nvSpPr>
-          <p:cNvPr id="3" name="テキスト プレースホルダー 2"/>
+            <a:endParaRPr lang="en-US" dirty="0"/>
+          </a:p>
+        </p:txBody>
+      </p:sp>
+      <p:sp>
+        <p:nvSpPr>
+          <p:cNvPr id="3" name="Text Placeholder 2"/>
           <p:cNvSpPr>
             <a:spLocks noGrp="1"/>
           </p:cNvSpPr>
@@ -1519,8 +1519,8 @@
         </p:nvSpPr>
         <p:spPr>
           <a:xfrm>
-            <a:off x="839788" y="1681163"/>
-            <a:ext cx="5157787" cy="823912"/>
+            <a:off x="839789" y="794272"/>
+            <a:ext cx="5157787" cy="389260"/>
           </a:xfrm>
         </p:spPr>
         <p:txBody>
@@ -1528,45 +1528,45 @@
           <a:lstStyle>
             <a:lvl1pPr marL="0" indent="0">
               <a:buNone/>
-              <a:defRPr sz="2400" b="1"/>
+              <a:defRPr sz="1134" b="1"/>
             </a:lvl1pPr>
-            <a:lvl2pPr marL="457200" indent="0">
-              <a:buNone/>
-              <a:defRPr sz="2000" b="1"/>
+            <a:lvl2pPr marL="216027" indent="0">
+              <a:buNone/>
+              <a:defRPr sz="945" b="1"/>
             </a:lvl2pPr>
-            <a:lvl3pPr marL="914400" indent="0">
-              <a:buNone/>
-              <a:defRPr sz="1800" b="1"/>
+            <a:lvl3pPr marL="432054" indent="0">
+              <a:buNone/>
+              <a:defRPr sz="851" b="1"/>
             </a:lvl3pPr>
-            <a:lvl4pPr marL="1371600" indent="0">
-              <a:buNone/>
-              <a:defRPr sz="1600" b="1"/>
+            <a:lvl4pPr marL="648081" indent="0">
+              <a:buNone/>
+              <a:defRPr sz="756" b="1"/>
             </a:lvl4pPr>
-            <a:lvl5pPr marL="1828800" indent="0">
-              <a:buNone/>
-              <a:defRPr sz="1600" b="1"/>
+            <a:lvl5pPr marL="864108" indent="0">
+              <a:buNone/>
+              <a:defRPr sz="756" b="1"/>
             </a:lvl5pPr>
-            <a:lvl6pPr marL="2286000" indent="0">
-              <a:buNone/>
-              <a:defRPr sz="1600" b="1"/>
+            <a:lvl6pPr marL="1080135" indent="0">
+              <a:buNone/>
+              <a:defRPr sz="756" b="1"/>
             </a:lvl6pPr>
-            <a:lvl7pPr marL="2743200" indent="0">
-              <a:buNone/>
-              <a:defRPr sz="1600" b="1"/>
+            <a:lvl7pPr marL="1296162" indent="0">
+              <a:buNone/>
+              <a:defRPr sz="756" b="1"/>
             </a:lvl7pPr>
-            <a:lvl8pPr marL="3200400" indent="0">
-              <a:buNone/>
-              <a:defRPr sz="1600" b="1"/>
+            <a:lvl8pPr marL="1512189" indent="0">
+              <a:buNone/>
+              <a:defRPr sz="756" b="1"/>
             </a:lvl8pPr>
-            <a:lvl9pPr marL="3657600" indent="0">
-              <a:buNone/>
-              <a:defRPr sz="1600" b="1"/>
+            <a:lvl9pPr marL="1728216" indent="0">
+              <a:buNone/>
+              <a:defRPr sz="756" b="1"/>
             </a:lvl9pPr>
           </a:lstStyle>
           <a:p>
             <a:pPr lvl="0"/>
             <a:r>
-              <a:rPr kumimoji="1" lang="ja-JP" altLang="en-US" smtClean="0"/>
+              <a:rPr lang="ja-JP" altLang="en-US" smtClean="0"/>
               <a:t>マスター テキストの書式設定</a:t>
             </a:r>
           </a:p>
@@ -1574,7 +1574,7 @@
       </p:sp>
       <p:sp>
         <p:nvSpPr>
-          <p:cNvPr id="4" name="コンテンツ プレースホルダー 3"/>
+          <p:cNvPr id="4" name="Content Placeholder 3"/>
           <p:cNvSpPr>
             <a:spLocks noGrp="1"/>
           </p:cNvSpPr>
@@ -1584,8 +1584,8 @@
         </p:nvSpPr>
         <p:spPr>
           <a:xfrm>
-            <a:off x="839788" y="2505075"/>
-            <a:ext cx="5157787" cy="3684588"/>
+            <a:off x="839789" y="1183532"/>
+            <a:ext cx="5157787" cy="1740798"/>
           </a:xfrm>
         </p:spPr>
         <p:txBody>
@@ -1594,76 +1594,76 @@
           <a:p>
             <a:pPr lvl="0"/>
             <a:r>
-              <a:rPr kumimoji="1" lang="ja-JP" altLang="en-US" smtClean="0"/>
+              <a:rPr lang="ja-JP" altLang="en-US" smtClean="0"/>
               <a:t>マスター テキストの書式設定</a:t>
             </a:r>
           </a:p>
           <a:p>
             <a:pPr lvl="1"/>
             <a:r>
-              <a:rPr kumimoji="1" lang="ja-JP" altLang="en-US" smtClean="0"/>
+              <a:rPr lang="ja-JP" altLang="en-US" smtClean="0"/>
               <a:t>第 </a:t>
             </a:r>
             <a:r>
-              <a:rPr kumimoji="1" lang="en-US" altLang="ja-JP" smtClean="0"/>
+              <a:rPr lang="en-US" altLang="ja-JP" smtClean="0"/>
               <a:t>2 </a:t>
             </a:r>
             <a:r>
-              <a:rPr kumimoji="1" lang="ja-JP" altLang="en-US" smtClean="0"/>
+              <a:rPr lang="ja-JP" altLang="en-US" smtClean="0"/>
               <a:t>レベル</a:t>
             </a:r>
           </a:p>
           <a:p>
             <a:pPr lvl="2"/>
             <a:r>
-              <a:rPr kumimoji="1" lang="ja-JP" altLang="en-US" smtClean="0"/>
+              <a:rPr lang="ja-JP" altLang="en-US" smtClean="0"/>
               <a:t>第 </a:t>
             </a:r>
             <a:r>
-              <a:rPr kumimoji="1" lang="en-US" altLang="ja-JP" smtClean="0"/>
+              <a:rPr lang="en-US" altLang="ja-JP" smtClean="0"/>
               <a:t>3 </a:t>
             </a:r>
             <a:r>
-              <a:rPr kumimoji="1" lang="ja-JP" altLang="en-US" smtClean="0"/>
+              <a:rPr lang="ja-JP" altLang="en-US" smtClean="0"/>
               <a:t>レベル</a:t>
             </a:r>
           </a:p>
           <a:p>
             <a:pPr lvl="3"/>
             <a:r>
-              <a:rPr kumimoji="1" lang="ja-JP" altLang="en-US" smtClean="0"/>
+              <a:rPr lang="ja-JP" altLang="en-US" smtClean="0"/>
               <a:t>第 </a:t>
             </a:r>
             <a:r>
-              <a:rPr kumimoji="1" lang="en-US" altLang="ja-JP" smtClean="0"/>
+              <a:rPr lang="en-US" altLang="ja-JP" smtClean="0"/>
               <a:t>4 </a:t>
             </a:r>
             <a:r>
-              <a:rPr kumimoji="1" lang="ja-JP" altLang="en-US" smtClean="0"/>
+              <a:rPr lang="ja-JP" altLang="en-US" smtClean="0"/>
               <a:t>レベル</a:t>
             </a:r>
           </a:p>
           <a:p>
             <a:pPr lvl="4"/>
             <a:r>
-              <a:rPr kumimoji="1" lang="ja-JP" altLang="en-US" smtClean="0"/>
+              <a:rPr lang="ja-JP" altLang="en-US" smtClean="0"/>
               <a:t>第 </a:t>
             </a:r>
             <a:r>
-              <a:rPr kumimoji="1" lang="en-US" altLang="ja-JP" smtClean="0"/>
+              <a:rPr lang="en-US" altLang="ja-JP" smtClean="0"/>
               <a:t>5 </a:t>
             </a:r>
             <a:r>
-              <a:rPr kumimoji="1" lang="ja-JP" altLang="en-US" smtClean="0"/>
+              <a:rPr lang="ja-JP" altLang="en-US" smtClean="0"/>
               <a:t>レベル</a:t>
             </a:r>
-            <a:endParaRPr kumimoji="1" lang="ja-JP" altLang="en-US"/>
-          </a:p>
-        </p:txBody>
-      </p:sp>
-      <p:sp>
-        <p:nvSpPr>
-          <p:cNvPr id="5" name="テキスト プレースホルダー 4"/>
+            <a:endParaRPr lang="en-US" dirty="0"/>
+          </a:p>
+        </p:txBody>
+      </p:sp>
+      <p:sp>
+        <p:nvSpPr>
+          <p:cNvPr id="5" name="Text Placeholder 4"/>
           <p:cNvSpPr>
             <a:spLocks noGrp="1"/>
           </p:cNvSpPr>
@@ -1673,8 +1673,8 @@
         </p:nvSpPr>
         <p:spPr>
           <a:xfrm>
-            <a:off x="6172200" y="1681163"/>
-            <a:ext cx="5183188" cy="823912"/>
+            <a:off x="6172200" y="794272"/>
+            <a:ext cx="5183188" cy="389260"/>
           </a:xfrm>
         </p:spPr>
         <p:txBody>
@@ -1682,45 +1682,45 @@
           <a:lstStyle>
             <a:lvl1pPr marL="0" indent="0">
               <a:buNone/>
-              <a:defRPr sz="2400" b="1"/>
+              <a:defRPr sz="1134" b="1"/>
             </a:lvl1pPr>
-            <a:lvl2pPr marL="457200" indent="0">
-              <a:buNone/>
-              <a:defRPr sz="2000" b="1"/>
+            <a:lvl2pPr marL="216027" indent="0">
+              <a:buNone/>
+              <a:defRPr sz="945" b="1"/>
             </a:lvl2pPr>
-            <a:lvl3pPr marL="914400" indent="0">
-              <a:buNone/>
-              <a:defRPr sz="1800" b="1"/>
+            <a:lvl3pPr marL="432054" indent="0">
+              <a:buNone/>
+              <a:defRPr sz="851" b="1"/>
             </a:lvl3pPr>
-            <a:lvl4pPr marL="1371600" indent="0">
-              <a:buNone/>
-              <a:defRPr sz="1600" b="1"/>
+            <a:lvl4pPr marL="648081" indent="0">
+              <a:buNone/>
+              <a:defRPr sz="756" b="1"/>
             </a:lvl4pPr>
-            <a:lvl5pPr marL="1828800" indent="0">
-              <a:buNone/>
-              <a:defRPr sz="1600" b="1"/>
+            <a:lvl5pPr marL="864108" indent="0">
+              <a:buNone/>
+              <a:defRPr sz="756" b="1"/>
             </a:lvl5pPr>
-            <a:lvl6pPr marL="2286000" indent="0">
-              <a:buNone/>
-              <a:defRPr sz="1600" b="1"/>
+            <a:lvl6pPr marL="1080135" indent="0">
+              <a:buNone/>
+              <a:defRPr sz="756" b="1"/>
             </a:lvl6pPr>
-            <a:lvl7pPr marL="2743200" indent="0">
-              <a:buNone/>
-              <a:defRPr sz="1600" b="1"/>
+            <a:lvl7pPr marL="1296162" indent="0">
+              <a:buNone/>
+              <a:defRPr sz="756" b="1"/>
             </a:lvl7pPr>
-            <a:lvl8pPr marL="3200400" indent="0">
-              <a:buNone/>
-              <a:defRPr sz="1600" b="1"/>
+            <a:lvl8pPr marL="1512189" indent="0">
+              <a:buNone/>
+              <a:defRPr sz="756" b="1"/>
             </a:lvl8pPr>
-            <a:lvl9pPr marL="3657600" indent="0">
-              <a:buNone/>
-              <a:defRPr sz="1600" b="1"/>
+            <a:lvl9pPr marL="1728216" indent="0">
+              <a:buNone/>
+              <a:defRPr sz="756" b="1"/>
             </a:lvl9pPr>
           </a:lstStyle>
           <a:p>
             <a:pPr lvl="0"/>
             <a:r>
-              <a:rPr kumimoji="1" lang="ja-JP" altLang="en-US" smtClean="0"/>
+              <a:rPr lang="ja-JP" altLang="en-US" smtClean="0"/>
               <a:t>マスター テキストの書式設定</a:t>
             </a:r>
           </a:p>
@@ -1728,7 +1728,7 @@
       </p:sp>
       <p:sp>
         <p:nvSpPr>
-          <p:cNvPr id="6" name="コンテンツ プレースホルダー 5"/>
+          <p:cNvPr id="6" name="Content Placeholder 5"/>
           <p:cNvSpPr>
             <a:spLocks noGrp="1"/>
           </p:cNvSpPr>
@@ -1738,8 +1738,8 @@
         </p:nvSpPr>
         <p:spPr>
           <a:xfrm>
-            <a:off x="6172200" y="2505075"/>
-            <a:ext cx="5183188" cy="3684588"/>
+            <a:off x="6172200" y="1183532"/>
+            <a:ext cx="5183188" cy="1740798"/>
           </a:xfrm>
         </p:spPr>
         <p:txBody>
@@ -1748,76 +1748,76 @@
           <a:p>
             <a:pPr lvl="0"/>
             <a:r>
-              <a:rPr kumimoji="1" lang="ja-JP" altLang="en-US" smtClean="0"/>
+              <a:rPr lang="ja-JP" altLang="en-US" smtClean="0"/>
               <a:t>マスター テキストの書式設定</a:t>
             </a:r>
           </a:p>
           <a:p>
             <a:pPr lvl="1"/>
             <a:r>
-              <a:rPr kumimoji="1" lang="ja-JP" altLang="en-US" smtClean="0"/>
+              <a:rPr lang="ja-JP" altLang="en-US" smtClean="0"/>
               <a:t>第 </a:t>
             </a:r>
             <a:r>
-              <a:rPr kumimoji="1" lang="en-US" altLang="ja-JP" smtClean="0"/>
+              <a:rPr lang="en-US" altLang="ja-JP" smtClean="0"/>
               <a:t>2 </a:t>
             </a:r>
             <a:r>
-              <a:rPr kumimoji="1" lang="ja-JP" altLang="en-US" smtClean="0"/>
+              <a:rPr lang="ja-JP" altLang="en-US" smtClean="0"/>
               <a:t>レベル</a:t>
             </a:r>
           </a:p>
           <a:p>
             <a:pPr lvl="2"/>
             <a:r>
-              <a:rPr kumimoji="1" lang="ja-JP" altLang="en-US" smtClean="0"/>
+              <a:rPr lang="ja-JP" altLang="en-US" smtClean="0"/>
               <a:t>第 </a:t>
             </a:r>
             <a:r>
-              <a:rPr kumimoji="1" lang="en-US" altLang="ja-JP" smtClean="0"/>
+              <a:rPr lang="en-US" altLang="ja-JP" smtClean="0"/>
               <a:t>3 </a:t>
             </a:r>
             <a:r>
-              <a:rPr kumimoji="1" lang="ja-JP" altLang="en-US" smtClean="0"/>
+              <a:rPr lang="ja-JP" altLang="en-US" smtClean="0"/>
               <a:t>レベル</a:t>
             </a:r>
           </a:p>
           <a:p>
             <a:pPr lvl="3"/>
             <a:r>
-              <a:rPr kumimoji="1" lang="ja-JP" altLang="en-US" smtClean="0"/>
+              <a:rPr lang="ja-JP" altLang="en-US" smtClean="0"/>
               <a:t>第 </a:t>
             </a:r>
             <a:r>
-              <a:rPr kumimoji="1" lang="en-US" altLang="ja-JP" smtClean="0"/>
+              <a:rPr lang="en-US" altLang="ja-JP" smtClean="0"/>
               <a:t>4 </a:t>
             </a:r>
             <a:r>
-              <a:rPr kumimoji="1" lang="ja-JP" altLang="en-US" smtClean="0"/>
+              <a:rPr lang="ja-JP" altLang="en-US" smtClean="0"/>
               <a:t>レベル</a:t>
             </a:r>
           </a:p>
           <a:p>
             <a:pPr lvl="4"/>
             <a:r>
-              <a:rPr kumimoji="1" lang="ja-JP" altLang="en-US" smtClean="0"/>
+              <a:rPr lang="ja-JP" altLang="en-US" smtClean="0"/>
               <a:t>第 </a:t>
             </a:r>
             <a:r>
-              <a:rPr kumimoji="1" lang="en-US" altLang="ja-JP" smtClean="0"/>
+              <a:rPr lang="en-US" altLang="ja-JP" smtClean="0"/>
               <a:t>5 </a:t>
             </a:r>
             <a:r>
-              <a:rPr kumimoji="1" lang="ja-JP" altLang="en-US" smtClean="0"/>
+              <a:rPr lang="ja-JP" altLang="en-US" smtClean="0"/>
               <a:t>レベル</a:t>
             </a:r>
-            <a:endParaRPr kumimoji="1" lang="ja-JP" altLang="en-US"/>
-          </a:p>
-        </p:txBody>
-      </p:sp>
-      <p:sp>
-        <p:nvSpPr>
-          <p:cNvPr id="7" name="日付プレースホルダー 6"/>
+            <a:endParaRPr lang="en-US" dirty="0"/>
+          </a:p>
+        </p:txBody>
+      </p:sp>
+      <p:sp>
+        <p:nvSpPr>
+          <p:cNvPr id="7" name="Date Placeholder 6"/>
           <p:cNvSpPr>
             <a:spLocks noGrp="1"/>
           </p:cNvSpPr>
@@ -1832,7 +1832,7 @@
           <a:p>
             <a:fld id="{793083FE-F8B2-4577-9B92-6995EB3820F1}" type="datetimeFigureOut">
               <a:rPr kumimoji="1" lang="ja-JP" altLang="en-US" smtClean="0"/>
-              <a:t>2017/7/14</a:t>
+              <a:t>2017/11/16</a:t>
             </a:fld>
             <a:endParaRPr kumimoji="1" lang="ja-JP" altLang="en-US"/>
           </a:p>
@@ -1840,7 +1840,7 @@
       </p:sp>
       <p:sp>
         <p:nvSpPr>
-          <p:cNvPr id="8" name="フッター プレースホルダー 7"/>
+          <p:cNvPr id="8" name="Footer Placeholder 7"/>
           <p:cNvSpPr>
             <a:spLocks noGrp="1"/>
           </p:cNvSpPr>
@@ -1859,7 +1859,7 @@
       </p:sp>
       <p:sp>
         <p:nvSpPr>
-          <p:cNvPr id="9" name="スライド番号プレースホルダー 8"/>
+          <p:cNvPr id="9" name="Slide Number Placeholder 8"/>
           <p:cNvSpPr>
             <a:spLocks noGrp="1"/>
           </p:cNvSpPr>
@@ -1883,7 +1883,7 @@
     </p:spTree>
     <p:extLst>
       <p:ext uri="{BB962C8B-B14F-4D97-AF65-F5344CB8AC3E}">
-        <p14:creationId xmlns:p14="http://schemas.microsoft.com/office/powerpoint/2010/main" val="2293889451"/>
+        <p14:creationId xmlns:p14="http://schemas.microsoft.com/office/powerpoint/2010/main" val="2704036469"/>
       </p:ext>
     </p:extLst>
   </p:cSld>
@@ -1912,7 +1912,7 @@
       </p:grpSpPr>
       <p:sp>
         <p:nvSpPr>
-          <p:cNvPr id="2" name="タイトル 1"/>
+          <p:cNvPr id="2" name="Title 1"/>
           <p:cNvSpPr>
             <a:spLocks noGrp="1"/>
           </p:cNvSpPr>
@@ -1926,16 +1926,16 @@
           <a:lstStyle/>
           <a:p>
             <a:r>
-              <a:rPr kumimoji="1" lang="ja-JP" altLang="en-US" smtClean="0"/>
+              <a:rPr lang="ja-JP" altLang="en-US" smtClean="0"/>
               <a:t>マスター タイトルの書式設定</a:t>
             </a:r>
-            <a:endParaRPr kumimoji="1" lang="ja-JP" altLang="en-US"/>
-          </a:p>
-        </p:txBody>
-      </p:sp>
-      <p:sp>
-        <p:nvSpPr>
-          <p:cNvPr id="3" name="日付プレースホルダー 2"/>
+            <a:endParaRPr lang="en-US" dirty="0"/>
+          </a:p>
+        </p:txBody>
+      </p:sp>
+      <p:sp>
+        <p:nvSpPr>
+          <p:cNvPr id="3" name="Date Placeholder 2"/>
           <p:cNvSpPr>
             <a:spLocks noGrp="1"/>
           </p:cNvSpPr>
@@ -1950,7 +1950,7 @@
           <a:p>
             <a:fld id="{793083FE-F8B2-4577-9B92-6995EB3820F1}" type="datetimeFigureOut">
               <a:rPr kumimoji="1" lang="ja-JP" altLang="en-US" smtClean="0"/>
-              <a:t>2017/7/14</a:t>
+              <a:t>2017/11/16</a:t>
             </a:fld>
             <a:endParaRPr kumimoji="1" lang="ja-JP" altLang="en-US"/>
           </a:p>
@@ -1958,7 +1958,7 @@
       </p:sp>
       <p:sp>
         <p:nvSpPr>
-          <p:cNvPr id="4" name="フッター プレースホルダー 3"/>
+          <p:cNvPr id="4" name="Footer Placeholder 3"/>
           <p:cNvSpPr>
             <a:spLocks noGrp="1"/>
           </p:cNvSpPr>
@@ -1977,7 +1977,7 @@
       </p:sp>
       <p:sp>
         <p:nvSpPr>
-          <p:cNvPr id="5" name="スライド番号プレースホルダー 4"/>
+          <p:cNvPr id="5" name="Slide Number Placeholder 4"/>
           <p:cNvSpPr>
             <a:spLocks noGrp="1"/>
           </p:cNvSpPr>
@@ -2001,7 +2001,7 @@
     </p:spTree>
     <p:extLst>
       <p:ext uri="{BB962C8B-B14F-4D97-AF65-F5344CB8AC3E}">
-        <p14:creationId xmlns:p14="http://schemas.microsoft.com/office/powerpoint/2010/main" val="4061001073"/>
+        <p14:creationId xmlns:p14="http://schemas.microsoft.com/office/powerpoint/2010/main" val="279775655"/>
       </p:ext>
     </p:extLst>
   </p:cSld>
@@ -2030,7 +2030,7 @@
       </p:grpSpPr>
       <p:sp>
         <p:nvSpPr>
-          <p:cNvPr id="2" name="日付プレースホルダー 1"/>
+          <p:cNvPr id="2" name="Date Placeholder 1"/>
           <p:cNvSpPr>
             <a:spLocks noGrp="1"/>
           </p:cNvSpPr>
@@ -2045,7 +2045,7 @@
           <a:p>
             <a:fld id="{793083FE-F8B2-4577-9B92-6995EB3820F1}" type="datetimeFigureOut">
               <a:rPr kumimoji="1" lang="ja-JP" altLang="en-US" smtClean="0"/>
-              <a:t>2017/7/14</a:t>
+              <a:t>2017/11/16</a:t>
             </a:fld>
             <a:endParaRPr kumimoji="1" lang="ja-JP" altLang="en-US"/>
           </a:p>
@@ -2053,7 +2053,7 @@
       </p:sp>
       <p:sp>
         <p:nvSpPr>
-          <p:cNvPr id="3" name="フッター プレースホルダー 2"/>
+          <p:cNvPr id="3" name="Footer Placeholder 2"/>
           <p:cNvSpPr>
             <a:spLocks noGrp="1"/>
           </p:cNvSpPr>
@@ -2072,7 +2072,7 @@
       </p:sp>
       <p:sp>
         <p:nvSpPr>
-          <p:cNvPr id="4" name="スライド番号プレースホルダー 3"/>
+          <p:cNvPr id="4" name="Slide Number Placeholder 3"/>
           <p:cNvSpPr>
             <a:spLocks noGrp="1"/>
           </p:cNvSpPr>
@@ -2096,7 +2096,7 @@
     </p:spTree>
     <p:extLst>
       <p:ext uri="{BB962C8B-B14F-4D97-AF65-F5344CB8AC3E}">
-        <p14:creationId xmlns:p14="http://schemas.microsoft.com/office/powerpoint/2010/main" val="3503698857"/>
+        <p14:creationId xmlns:p14="http://schemas.microsoft.com/office/powerpoint/2010/main" val="329658696"/>
       </p:ext>
     </p:extLst>
   </p:cSld>
@@ -2125,7 +2125,7 @@
       </p:grpSpPr>
       <p:sp>
         <p:nvSpPr>
-          <p:cNvPr id="2" name="タイトル 1"/>
+          <p:cNvPr id="2" name="Title 1"/>
           <p:cNvSpPr>
             <a:spLocks noGrp="1"/>
           </p:cNvSpPr>
@@ -2135,29 +2135,29 @@
         </p:nvSpPr>
         <p:spPr>
           <a:xfrm>
-            <a:off x="839788" y="457200"/>
-            <a:ext cx="3932237" cy="1600200"/>
+            <a:off x="839789" y="216006"/>
+            <a:ext cx="3932237" cy="756021"/>
           </a:xfrm>
         </p:spPr>
         <p:txBody>
           <a:bodyPr anchor="b"/>
           <a:lstStyle>
             <a:lvl1pPr>
-              <a:defRPr sz="3200"/>
+              <a:defRPr sz="1512"/>
             </a:lvl1pPr>
           </a:lstStyle>
           <a:p>
             <a:r>
-              <a:rPr kumimoji="1" lang="ja-JP" altLang="en-US" smtClean="0"/>
+              <a:rPr lang="ja-JP" altLang="en-US" smtClean="0"/>
               <a:t>マスター タイトルの書式設定</a:t>
             </a:r>
-            <a:endParaRPr kumimoji="1" lang="ja-JP" altLang="en-US"/>
-          </a:p>
-        </p:txBody>
-      </p:sp>
-      <p:sp>
-        <p:nvSpPr>
-          <p:cNvPr id="3" name="コンテンツ プレースホルダー 2"/>
+            <a:endParaRPr lang="en-US" dirty="0"/>
+          </a:p>
+        </p:txBody>
+      </p:sp>
+      <p:sp>
+        <p:nvSpPr>
+          <p:cNvPr id="3" name="Content Placeholder 2"/>
           <p:cNvSpPr>
             <a:spLocks noGrp="1"/>
           </p:cNvSpPr>
@@ -2167,114 +2167,114 @@
         </p:nvSpPr>
         <p:spPr>
           <a:xfrm>
-            <a:off x="5183188" y="987425"/>
-            <a:ext cx="6172200" cy="4873625"/>
+            <a:off x="5183188" y="466513"/>
+            <a:ext cx="6172200" cy="2302563"/>
           </a:xfrm>
         </p:spPr>
         <p:txBody>
           <a:bodyPr/>
           <a:lstStyle>
             <a:lvl1pPr>
-              <a:defRPr sz="3200"/>
+              <a:defRPr sz="1512"/>
             </a:lvl1pPr>
             <a:lvl2pPr>
-              <a:defRPr sz="2800"/>
+              <a:defRPr sz="1323"/>
             </a:lvl2pPr>
             <a:lvl3pPr>
-              <a:defRPr sz="2400"/>
+              <a:defRPr sz="1134"/>
             </a:lvl3pPr>
             <a:lvl4pPr>
-              <a:defRPr sz="2000"/>
+              <a:defRPr sz="945"/>
             </a:lvl4pPr>
             <a:lvl5pPr>
-              <a:defRPr sz="2000"/>
+              <a:defRPr sz="945"/>
             </a:lvl5pPr>
             <a:lvl6pPr>
-              <a:defRPr sz="2000"/>
+              <a:defRPr sz="945"/>
             </a:lvl6pPr>
             <a:lvl7pPr>
-              <a:defRPr sz="2000"/>
+              <a:defRPr sz="945"/>
             </a:lvl7pPr>
             <a:lvl8pPr>
-              <a:defRPr sz="2000"/>
+              <a:defRPr sz="945"/>
             </a:lvl8pPr>
             <a:lvl9pPr>
-              <a:defRPr sz="2000"/>
+              <a:defRPr sz="945"/>
             </a:lvl9pPr>
           </a:lstStyle>
           <a:p>
             <a:pPr lvl="0"/>
             <a:r>
-              <a:rPr kumimoji="1" lang="ja-JP" altLang="en-US" smtClean="0"/>
+              <a:rPr lang="ja-JP" altLang="en-US" smtClean="0"/>
               <a:t>マスター テキストの書式設定</a:t>
             </a:r>
           </a:p>
           <a:p>
             <a:pPr lvl="1"/>
             <a:r>
-              <a:rPr kumimoji="1" lang="ja-JP" altLang="en-US" smtClean="0"/>
+              <a:rPr lang="ja-JP" altLang="en-US" smtClean="0"/>
               <a:t>第 </a:t>
             </a:r>
             <a:r>
-              <a:rPr kumimoji="1" lang="en-US" altLang="ja-JP" smtClean="0"/>
+              <a:rPr lang="en-US" altLang="ja-JP" smtClean="0"/>
               <a:t>2 </a:t>
             </a:r>
             <a:r>
-              <a:rPr kumimoji="1" lang="ja-JP" altLang="en-US" smtClean="0"/>
+              <a:rPr lang="ja-JP" altLang="en-US" smtClean="0"/>
               <a:t>レベル</a:t>
             </a:r>
           </a:p>
           <a:p>
             <a:pPr lvl="2"/>
             <a:r>
-              <a:rPr kumimoji="1" lang="ja-JP" altLang="en-US" smtClean="0"/>
+              <a:rPr lang="ja-JP" altLang="en-US" smtClean="0"/>
               <a:t>第 </a:t>
             </a:r>
             <a:r>
-              <a:rPr kumimoji="1" lang="en-US" altLang="ja-JP" smtClean="0"/>
+              <a:rPr lang="en-US" altLang="ja-JP" smtClean="0"/>
               <a:t>3 </a:t>
             </a:r>
             <a:r>
-              <a:rPr kumimoji="1" lang="ja-JP" altLang="en-US" smtClean="0"/>
+              <a:rPr lang="ja-JP" altLang="en-US" smtClean="0"/>
               <a:t>レベル</a:t>
             </a:r>
           </a:p>
           <a:p>
             <a:pPr lvl="3"/>
             <a:r>
-              <a:rPr kumimoji="1" lang="ja-JP" altLang="en-US" smtClean="0"/>
+              <a:rPr lang="ja-JP" altLang="en-US" smtClean="0"/>
               <a:t>第 </a:t>
             </a:r>
             <a:r>
-              <a:rPr kumimoji="1" lang="en-US" altLang="ja-JP" smtClean="0"/>
+              <a:rPr lang="en-US" altLang="ja-JP" smtClean="0"/>
               <a:t>4 </a:t>
             </a:r>
             <a:r>
-              <a:rPr kumimoji="1" lang="ja-JP" altLang="en-US" smtClean="0"/>
+              <a:rPr lang="ja-JP" altLang="en-US" smtClean="0"/>
               <a:t>レベル</a:t>
             </a:r>
           </a:p>
           <a:p>
             <a:pPr lvl="4"/>
             <a:r>
-              <a:rPr kumimoji="1" lang="ja-JP" altLang="en-US" smtClean="0"/>
+              <a:rPr lang="ja-JP" altLang="en-US" smtClean="0"/>
               <a:t>第 </a:t>
             </a:r>
             <a:r>
-              <a:rPr kumimoji="1" lang="en-US" altLang="ja-JP" smtClean="0"/>
+              <a:rPr lang="en-US" altLang="ja-JP" smtClean="0"/>
               <a:t>5 </a:t>
             </a:r>
             <a:r>
-              <a:rPr kumimoji="1" lang="ja-JP" altLang="en-US" smtClean="0"/>
+              <a:rPr lang="ja-JP" altLang="en-US" smtClean="0"/>
               <a:t>レベル</a:t>
             </a:r>
-            <a:endParaRPr kumimoji="1" lang="ja-JP" altLang="en-US"/>
-          </a:p>
-        </p:txBody>
-      </p:sp>
-      <p:sp>
-        <p:nvSpPr>
-          <p:cNvPr id="4" name="テキスト プレースホルダー 3"/>
+            <a:endParaRPr lang="en-US" dirty="0"/>
+          </a:p>
+        </p:txBody>
+      </p:sp>
+      <p:sp>
+        <p:nvSpPr>
+          <p:cNvPr id="4" name="Text Placeholder 3"/>
           <p:cNvSpPr>
             <a:spLocks noGrp="1"/>
           </p:cNvSpPr>
@@ -2284,8 +2284,8 @@
         </p:nvSpPr>
         <p:spPr>
           <a:xfrm>
-            <a:off x="839788" y="2057400"/>
-            <a:ext cx="3932237" cy="3811588"/>
+            <a:off x="839789" y="972026"/>
+            <a:ext cx="3932237" cy="1800799"/>
           </a:xfrm>
         </p:spPr>
         <p:txBody>
@@ -2293,45 +2293,45 @@
           <a:lstStyle>
             <a:lvl1pPr marL="0" indent="0">
               <a:buNone/>
-              <a:defRPr sz="1600"/>
+              <a:defRPr sz="756"/>
             </a:lvl1pPr>
-            <a:lvl2pPr marL="457200" indent="0">
-              <a:buNone/>
-              <a:defRPr sz="1400"/>
+            <a:lvl2pPr marL="216027" indent="0">
+              <a:buNone/>
+              <a:defRPr sz="662"/>
             </a:lvl2pPr>
-            <a:lvl3pPr marL="914400" indent="0">
-              <a:buNone/>
-              <a:defRPr sz="1200"/>
+            <a:lvl3pPr marL="432054" indent="0">
+              <a:buNone/>
+              <a:defRPr sz="567"/>
             </a:lvl3pPr>
-            <a:lvl4pPr marL="1371600" indent="0">
-              <a:buNone/>
-              <a:defRPr sz="1000"/>
+            <a:lvl4pPr marL="648081" indent="0">
+              <a:buNone/>
+              <a:defRPr sz="472"/>
             </a:lvl4pPr>
-            <a:lvl5pPr marL="1828800" indent="0">
-              <a:buNone/>
-              <a:defRPr sz="1000"/>
+            <a:lvl5pPr marL="864108" indent="0">
+              <a:buNone/>
+              <a:defRPr sz="472"/>
             </a:lvl5pPr>
-            <a:lvl6pPr marL="2286000" indent="0">
-              <a:buNone/>
-              <a:defRPr sz="1000"/>
+            <a:lvl6pPr marL="1080135" indent="0">
+              <a:buNone/>
+              <a:defRPr sz="472"/>
             </a:lvl6pPr>
-            <a:lvl7pPr marL="2743200" indent="0">
-              <a:buNone/>
-              <a:defRPr sz="1000"/>
+            <a:lvl7pPr marL="1296162" indent="0">
+              <a:buNone/>
+              <a:defRPr sz="472"/>
             </a:lvl7pPr>
-            <a:lvl8pPr marL="3200400" indent="0">
-              <a:buNone/>
-              <a:defRPr sz="1000"/>
+            <a:lvl8pPr marL="1512189" indent="0">
+              <a:buNone/>
+              <a:defRPr sz="472"/>
             </a:lvl8pPr>
-            <a:lvl9pPr marL="3657600" indent="0">
-              <a:buNone/>
-              <a:defRPr sz="1000"/>
+            <a:lvl9pPr marL="1728216" indent="0">
+              <a:buNone/>
+              <a:defRPr sz="472"/>
             </a:lvl9pPr>
           </a:lstStyle>
           <a:p>
             <a:pPr lvl="0"/>
             <a:r>
-              <a:rPr kumimoji="1" lang="ja-JP" altLang="en-US" smtClean="0"/>
+              <a:rPr lang="ja-JP" altLang="en-US" smtClean="0"/>
               <a:t>マスター テキストの書式設定</a:t>
             </a:r>
           </a:p>
@@ -2339,7 +2339,7 @@
       </p:sp>
       <p:sp>
         <p:nvSpPr>
-          <p:cNvPr id="5" name="日付プレースホルダー 4"/>
+          <p:cNvPr id="5" name="Date Placeholder 4"/>
           <p:cNvSpPr>
             <a:spLocks noGrp="1"/>
           </p:cNvSpPr>
@@ -2354,7 +2354,7 @@
           <a:p>
             <a:fld id="{793083FE-F8B2-4577-9B92-6995EB3820F1}" type="datetimeFigureOut">
               <a:rPr kumimoji="1" lang="ja-JP" altLang="en-US" smtClean="0"/>
-              <a:t>2017/7/14</a:t>
+              <a:t>2017/11/16</a:t>
             </a:fld>
             <a:endParaRPr kumimoji="1" lang="ja-JP" altLang="en-US"/>
           </a:p>
@@ -2362,7 +2362,7 @@
       </p:sp>
       <p:sp>
         <p:nvSpPr>
-          <p:cNvPr id="6" name="フッター プレースホルダー 5"/>
+          <p:cNvPr id="6" name="Footer Placeholder 5"/>
           <p:cNvSpPr>
             <a:spLocks noGrp="1"/>
           </p:cNvSpPr>
@@ -2381,7 +2381,7 @@
       </p:sp>
       <p:sp>
         <p:nvSpPr>
-          <p:cNvPr id="7" name="スライド番号プレースホルダー 6"/>
+          <p:cNvPr id="7" name="Slide Number Placeholder 6"/>
           <p:cNvSpPr>
             <a:spLocks noGrp="1"/>
           </p:cNvSpPr>
@@ -2405,7 +2405,7 @@
     </p:spTree>
     <p:extLst>
       <p:ext uri="{BB962C8B-B14F-4D97-AF65-F5344CB8AC3E}">
-        <p14:creationId xmlns:p14="http://schemas.microsoft.com/office/powerpoint/2010/main" val="255069360"/>
+        <p14:creationId xmlns:p14="http://schemas.microsoft.com/office/powerpoint/2010/main" val="4148932474"/>
       </p:ext>
     </p:extLst>
   </p:cSld>
@@ -2434,7 +2434,7 @@
       </p:grpSpPr>
       <p:sp>
         <p:nvSpPr>
-          <p:cNvPr id="2" name="タイトル 1"/>
+          <p:cNvPr id="2" name="Title 1"/>
           <p:cNvSpPr>
             <a:spLocks noGrp="1"/>
           </p:cNvSpPr>
@@ -2444,31 +2444,31 @@
         </p:nvSpPr>
         <p:spPr>
           <a:xfrm>
-            <a:off x="839788" y="457200"/>
-            <a:ext cx="3932237" cy="1600200"/>
+            <a:off x="839789" y="216006"/>
+            <a:ext cx="3932237" cy="756021"/>
           </a:xfrm>
         </p:spPr>
         <p:txBody>
           <a:bodyPr anchor="b"/>
           <a:lstStyle>
             <a:lvl1pPr>
-              <a:defRPr sz="3200"/>
+              <a:defRPr sz="1512"/>
             </a:lvl1pPr>
           </a:lstStyle>
           <a:p>
             <a:r>
-              <a:rPr kumimoji="1" lang="ja-JP" altLang="en-US" smtClean="0"/>
+              <a:rPr lang="ja-JP" altLang="en-US" smtClean="0"/>
               <a:t>マスター タイトルの書式設定</a:t>
             </a:r>
-            <a:endParaRPr kumimoji="1" lang="ja-JP" altLang="en-US"/>
-          </a:p>
-        </p:txBody>
-      </p:sp>
-      <p:sp>
-        <p:nvSpPr>
-          <p:cNvPr id="3" name="図プレースホルダー 2"/>
-          <p:cNvSpPr>
-            <a:spLocks noGrp="1"/>
+            <a:endParaRPr lang="en-US" dirty="0"/>
+          </a:p>
+        </p:txBody>
+      </p:sp>
+      <p:sp>
+        <p:nvSpPr>
+          <p:cNvPr id="3" name="Picture Placeholder 2"/>
+          <p:cNvSpPr>
+            <a:spLocks noGrp="1" noChangeAspect="1"/>
           </p:cNvSpPr>
           <p:nvPr>
             <p:ph type="pic" idx="1"/>
@@ -2476,8 +2476,73 @@
         </p:nvSpPr>
         <p:spPr>
           <a:xfrm>
-            <a:off x="5183188" y="987425"/>
-            <a:ext cx="6172200" cy="4873625"/>
+            <a:off x="5183188" y="466513"/>
+            <a:ext cx="6172200" cy="2302563"/>
+          </a:xfrm>
+        </p:spPr>
+        <p:txBody>
+          <a:bodyPr anchor="t"/>
+          <a:lstStyle>
+            <a:lvl1pPr marL="0" indent="0">
+              <a:buNone/>
+              <a:defRPr sz="1512"/>
+            </a:lvl1pPr>
+            <a:lvl2pPr marL="216027" indent="0">
+              <a:buNone/>
+              <a:defRPr sz="1323"/>
+            </a:lvl2pPr>
+            <a:lvl3pPr marL="432054" indent="0">
+              <a:buNone/>
+              <a:defRPr sz="1134"/>
+            </a:lvl3pPr>
+            <a:lvl4pPr marL="648081" indent="0">
+              <a:buNone/>
+              <a:defRPr sz="945"/>
+            </a:lvl4pPr>
+            <a:lvl5pPr marL="864108" indent="0">
+              <a:buNone/>
+              <a:defRPr sz="945"/>
+            </a:lvl5pPr>
+            <a:lvl6pPr marL="1080135" indent="0">
+              <a:buNone/>
+              <a:defRPr sz="945"/>
+            </a:lvl6pPr>
+            <a:lvl7pPr marL="1296162" indent="0">
+              <a:buNone/>
+              <a:defRPr sz="945"/>
+            </a:lvl7pPr>
+            <a:lvl8pPr marL="1512189" indent="0">
+              <a:buNone/>
+              <a:defRPr sz="945"/>
+            </a:lvl8pPr>
+            <a:lvl9pPr marL="1728216" indent="0">
+              <a:buNone/>
+              <a:defRPr sz="945"/>
+            </a:lvl9pPr>
+          </a:lstStyle>
+          <a:p>
+            <a:r>
+              <a:rPr lang="ja-JP" altLang="en-US" smtClean="0"/>
+              <a:t>図を追加</a:t>
+            </a:r>
+            <a:endParaRPr lang="en-US" dirty="0"/>
+          </a:p>
+        </p:txBody>
+      </p:sp>
+      <p:sp>
+        <p:nvSpPr>
+          <p:cNvPr id="4" name="Text Placeholder 3"/>
+          <p:cNvSpPr>
+            <a:spLocks noGrp="1"/>
+          </p:cNvSpPr>
+          <p:nvPr>
+            <p:ph type="body" sz="half" idx="2"/>
+          </p:nvPr>
+        </p:nvSpPr>
+        <p:spPr>
+          <a:xfrm>
+            <a:off x="839789" y="972026"/>
+            <a:ext cx="3932237" cy="1800799"/>
           </a:xfrm>
         </p:spPr>
         <p:txBody>
@@ -2485,106 +2550,45 @@
           <a:lstStyle>
             <a:lvl1pPr marL="0" indent="0">
               <a:buNone/>
-              <a:defRPr sz="3200"/>
+              <a:defRPr sz="756"/>
             </a:lvl1pPr>
-            <a:lvl2pPr marL="457200" indent="0">
-              <a:buNone/>
-              <a:defRPr sz="2800"/>
+            <a:lvl2pPr marL="216027" indent="0">
+              <a:buNone/>
+              <a:defRPr sz="662"/>
             </a:lvl2pPr>
-            <a:lvl3pPr marL="914400" indent="0">
-              <a:buNone/>
-              <a:defRPr sz="2400"/>
+            <a:lvl3pPr marL="432054" indent="0">
+              <a:buNone/>
+              <a:defRPr sz="567"/>
             </a:lvl3pPr>
-            <a:lvl4pPr marL="1371600" indent="0">
-              <a:buNone/>
-              <a:defRPr sz="2000"/>
+            <a:lvl4pPr marL="648081" indent="0">
+              <a:buNone/>
+              <a:defRPr sz="472"/>
             </a:lvl4pPr>
-            <a:lvl5pPr marL="1828800" indent="0">
-              <a:buNone/>
-              <a:defRPr sz="2000"/>
+            <a:lvl5pPr marL="864108" indent="0">
+              <a:buNone/>
+              <a:defRPr sz="472"/>
             </a:lvl5pPr>
-            <a:lvl6pPr marL="2286000" indent="0">
-              <a:buNone/>
-              <a:defRPr sz="2000"/>
+            <a:lvl6pPr marL="1080135" indent="0">
+              <a:buNone/>
+              <a:defRPr sz="472"/>
             </a:lvl6pPr>
-            <a:lvl7pPr marL="2743200" indent="0">
-              <a:buNone/>
-              <a:defRPr sz="2000"/>
+            <a:lvl7pPr marL="1296162" indent="0">
+              <a:buNone/>
+              <a:defRPr sz="472"/>
             </a:lvl7pPr>
-            <a:lvl8pPr marL="3200400" indent="0">
-              <a:buNone/>
-              <a:defRPr sz="2000"/>
+            <a:lvl8pPr marL="1512189" indent="0">
+              <a:buNone/>
+              <a:defRPr sz="472"/>
             </a:lvl8pPr>
-            <a:lvl9pPr marL="3657600" indent="0">
-              <a:buNone/>
-              <a:defRPr sz="2000"/>
+            <a:lvl9pPr marL="1728216" indent="0">
+              <a:buNone/>
+              <a:defRPr sz="472"/>
             </a:lvl9pPr>
           </a:lstStyle>
           <a:p>
-            <a:endParaRPr kumimoji="1" lang="ja-JP" altLang="en-US"/>
-          </a:p>
-        </p:txBody>
-      </p:sp>
-      <p:sp>
-        <p:nvSpPr>
-          <p:cNvPr id="4" name="テキスト プレースホルダー 3"/>
-          <p:cNvSpPr>
-            <a:spLocks noGrp="1"/>
-          </p:cNvSpPr>
-          <p:nvPr>
-            <p:ph type="body" sz="half" idx="2"/>
-          </p:nvPr>
-        </p:nvSpPr>
-        <p:spPr>
-          <a:xfrm>
-            <a:off x="839788" y="2057400"/>
-            <a:ext cx="3932237" cy="3811588"/>
-          </a:xfrm>
-        </p:spPr>
-        <p:txBody>
-          <a:bodyPr/>
-          <a:lstStyle>
-            <a:lvl1pPr marL="0" indent="0">
-              <a:buNone/>
-              <a:defRPr sz="1600"/>
-            </a:lvl1pPr>
-            <a:lvl2pPr marL="457200" indent="0">
-              <a:buNone/>
-              <a:defRPr sz="1400"/>
-            </a:lvl2pPr>
-            <a:lvl3pPr marL="914400" indent="0">
-              <a:buNone/>
-              <a:defRPr sz="1200"/>
-            </a:lvl3pPr>
-            <a:lvl4pPr marL="1371600" indent="0">
-              <a:buNone/>
-              <a:defRPr sz="1000"/>
-            </a:lvl4pPr>
-            <a:lvl5pPr marL="1828800" indent="0">
-              <a:buNone/>
-              <a:defRPr sz="1000"/>
-            </a:lvl5pPr>
-            <a:lvl6pPr marL="2286000" indent="0">
-              <a:buNone/>
-              <a:defRPr sz="1000"/>
-            </a:lvl6pPr>
-            <a:lvl7pPr marL="2743200" indent="0">
-              <a:buNone/>
-              <a:defRPr sz="1000"/>
-            </a:lvl7pPr>
-            <a:lvl8pPr marL="3200400" indent="0">
-              <a:buNone/>
-              <a:defRPr sz="1000"/>
-            </a:lvl8pPr>
-            <a:lvl9pPr marL="3657600" indent="0">
-              <a:buNone/>
-              <a:defRPr sz="1000"/>
-            </a:lvl9pPr>
-          </a:lstStyle>
-          <a:p>
             <a:pPr lvl="0"/>
             <a:r>
-              <a:rPr kumimoji="1" lang="ja-JP" altLang="en-US" smtClean="0"/>
+              <a:rPr lang="ja-JP" altLang="en-US" smtClean="0"/>
               <a:t>マスター テキストの書式設定</a:t>
             </a:r>
           </a:p>
@@ -2592,7 +2596,7 @@
       </p:sp>
       <p:sp>
         <p:nvSpPr>
-          <p:cNvPr id="5" name="日付プレースホルダー 4"/>
+          <p:cNvPr id="5" name="Date Placeholder 4"/>
           <p:cNvSpPr>
             <a:spLocks noGrp="1"/>
           </p:cNvSpPr>
@@ -2607,7 +2611,7 @@
           <a:p>
             <a:fld id="{793083FE-F8B2-4577-9B92-6995EB3820F1}" type="datetimeFigureOut">
               <a:rPr kumimoji="1" lang="ja-JP" altLang="en-US" smtClean="0"/>
-              <a:t>2017/7/14</a:t>
+              <a:t>2017/11/16</a:t>
             </a:fld>
             <a:endParaRPr kumimoji="1" lang="ja-JP" altLang="en-US"/>
           </a:p>
@@ -2615,7 +2619,7 @@
       </p:sp>
       <p:sp>
         <p:nvSpPr>
-          <p:cNvPr id="6" name="フッター プレースホルダー 5"/>
+          <p:cNvPr id="6" name="Footer Placeholder 5"/>
           <p:cNvSpPr>
             <a:spLocks noGrp="1"/>
           </p:cNvSpPr>
@@ -2634,7 +2638,7 @@
       </p:sp>
       <p:sp>
         <p:nvSpPr>
-          <p:cNvPr id="7" name="スライド番号プレースホルダー 6"/>
+          <p:cNvPr id="7" name="Slide Number Placeholder 6"/>
           <p:cNvSpPr>
             <a:spLocks noGrp="1"/>
           </p:cNvSpPr>
@@ -2658,7 +2662,7 @@
     </p:spTree>
     <p:extLst>
       <p:ext uri="{BB962C8B-B14F-4D97-AF65-F5344CB8AC3E}">
-        <p14:creationId xmlns:p14="http://schemas.microsoft.com/office/powerpoint/2010/main" val="178986311"/>
+        <p14:creationId xmlns:p14="http://schemas.microsoft.com/office/powerpoint/2010/main" val="2623840817"/>
       </p:ext>
     </p:extLst>
   </p:cSld>
@@ -2692,7 +2696,7 @@
       </p:grpSpPr>
       <p:sp>
         <p:nvSpPr>
-          <p:cNvPr id="2" name="タイトル プレースホルダー 1"/>
+          <p:cNvPr id="2" name="Title Placeholder 1"/>
           <p:cNvSpPr>
             <a:spLocks noGrp="1"/>
           </p:cNvSpPr>
@@ -2702,8 +2706,8 @@
         </p:nvSpPr>
         <p:spPr>
           <a:xfrm>
-            <a:off x="838200" y="365125"/>
-            <a:ext cx="10515600" cy="1325563"/>
+            <a:off x="838200" y="172505"/>
+            <a:ext cx="10515600" cy="626267"/>
           </a:xfrm>
           <a:prstGeom prst="rect">
             <a:avLst/>
@@ -2716,16 +2720,16 @@
           <a:lstStyle/>
           <a:p>
             <a:r>
-              <a:rPr kumimoji="1" lang="ja-JP" altLang="en-US" smtClean="0"/>
+              <a:rPr lang="ja-JP" altLang="en-US" smtClean="0"/>
               <a:t>マスター タイトルの書式設定</a:t>
             </a:r>
-            <a:endParaRPr kumimoji="1" lang="ja-JP" altLang="en-US"/>
-          </a:p>
-        </p:txBody>
-      </p:sp>
-      <p:sp>
-        <p:nvSpPr>
-          <p:cNvPr id="3" name="テキスト プレースホルダー 2"/>
+            <a:endParaRPr lang="en-US" dirty="0"/>
+          </a:p>
+        </p:txBody>
+      </p:sp>
+      <p:sp>
+        <p:nvSpPr>
+          <p:cNvPr id="3" name="Text Placeholder 2"/>
           <p:cNvSpPr>
             <a:spLocks noGrp="1"/>
           </p:cNvSpPr>
@@ -2735,8 +2739,8 @@
         </p:nvSpPr>
         <p:spPr>
           <a:xfrm>
-            <a:off x="838200" y="1825625"/>
-            <a:ext cx="10515600" cy="4351338"/>
+            <a:off x="838200" y="862523"/>
+            <a:ext cx="10515600" cy="2055806"/>
           </a:xfrm>
           <a:prstGeom prst="rect">
             <a:avLst/>
@@ -2750,76 +2754,76 @@
           <a:p>
             <a:pPr lvl="0"/>
             <a:r>
-              <a:rPr kumimoji="1" lang="ja-JP" altLang="en-US" smtClean="0"/>
+              <a:rPr lang="ja-JP" altLang="en-US" smtClean="0"/>
               <a:t>マスター テキストの書式設定</a:t>
             </a:r>
           </a:p>
           <a:p>
             <a:pPr lvl="1"/>
             <a:r>
-              <a:rPr kumimoji="1" lang="ja-JP" altLang="en-US" smtClean="0"/>
+              <a:rPr lang="ja-JP" altLang="en-US" smtClean="0"/>
               <a:t>第 </a:t>
             </a:r>
             <a:r>
-              <a:rPr kumimoji="1" lang="en-US" altLang="ja-JP" smtClean="0"/>
+              <a:rPr lang="en-US" altLang="ja-JP" smtClean="0"/>
               <a:t>2 </a:t>
             </a:r>
             <a:r>
-              <a:rPr kumimoji="1" lang="ja-JP" altLang="en-US" smtClean="0"/>
+              <a:rPr lang="ja-JP" altLang="en-US" smtClean="0"/>
               <a:t>レベル</a:t>
             </a:r>
           </a:p>
           <a:p>
             <a:pPr lvl="2"/>
             <a:r>
-              <a:rPr kumimoji="1" lang="ja-JP" altLang="en-US" smtClean="0"/>
+              <a:rPr lang="ja-JP" altLang="en-US" smtClean="0"/>
               <a:t>第 </a:t>
             </a:r>
             <a:r>
-              <a:rPr kumimoji="1" lang="en-US" altLang="ja-JP" smtClean="0"/>
+              <a:rPr lang="en-US" altLang="ja-JP" smtClean="0"/>
               <a:t>3 </a:t>
             </a:r>
             <a:r>
-              <a:rPr kumimoji="1" lang="ja-JP" altLang="en-US" smtClean="0"/>
+              <a:rPr lang="ja-JP" altLang="en-US" smtClean="0"/>
               <a:t>レベル</a:t>
             </a:r>
           </a:p>
           <a:p>
             <a:pPr lvl="3"/>
             <a:r>
-              <a:rPr kumimoji="1" lang="ja-JP" altLang="en-US" smtClean="0"/>
+              <a:rPr lang="ja-JP" altLang="en-US" smtClean="0"/>
               <a:t>第 </a:t>
             </a:r>
             <a:r>
-              <a:rPr kumimoji="1" lang="en-US" altLang="ja-JP" smtClean="0"/>
+              <a:rPr lang="en-US" altLang="ja-JP" smtClean="0"/>
               <a:t>4 </a:t>
             </a:r>
             <a:r>
-              <a:rPr kumimoji="1" lang="ja-JP" altLang="en-US" smtClean="0"/>
+              <a:rPr lang="ja-JP" altLang="en-US" smtClean="0"/>
               <a:t>レベル</a:t>
             </a:r>
           </a:p>
           <a:p>
             <a:pPr lvl="4"/>
             <a:r>
-              <a:rPr kumimoji="1" lang="ja-JP" altLang="en-US" smtClean="0"/>
+              <a:rPr lang="ja-JP" altLang="en-US" smtClean="0"/>
               <a:t>第 </a:t>
             </a:r>
             <a:r>
-              <a:rPr kumimoji="1" lang="en-US" altLang="ja-JP" smtClean="0"/>
+              <a:rPr lang="en-US" altLang="ja-JP" smtClean="0"/>
               <a:t>5 </a:t>
             </a:r>
             <a:r>
-              <a:rPr kumimoji="1" lang="ja-JP" altLang="en-US" smtClean="0"/>
+              <a:rPr lang="ja-JP" altLang="en-US" smtClean="0"/>
               <a:t>レベル</a:t>
             </a:r>
-            <a:endParaRPr kumimoji="1" lang="ja-JP" altLang="en-US"/>
-          </a:p>
-        </p:txBody>
-      </p:sp>
-      <p:sp>
-        <p:nvSpPr>
-          <p:cNvPr id="4" name="日付プレースホルダー 3"/>
+            <a:endParaRPr lang="en-US" dirty="0"/>
+          </a:p>
+        </p:txBody>
+      </p:sp>
+      <p:sp>
+        <p:nvSpPr>
+          <p:cNvPr id="4" name="Date Placeholder 3"/>
           <p:cNvSpPr>
             <a:spLocks noGrp="1"/>
           </p:cNvSpPr>
@@ -2829,8 +2833,8 @@
         </p:nvSpPr>
         <p:spPr>
           <a:xfrm>
-            <a:off x="838200" y="6356350"/>
-            <a:ext cx="2743200" cy="365125"/>
+            <a:off x="838200" y="3003082"/>
+            <a:ext cx="2743200" cy="172505"/>
           </a:xfrm>
           <a:prstGeom prst="rect">
             <a:avLst/>
@@ -2840,7 +2844,7 @@
           <a:bodyPr vert="horz" lIns="91440" tIns="45720" rIns="91440" bIns="45720" rtlCol="0" anchor="ctr"/>
           <a:lstStyle>
             <a:lvl1pPr algn="l">
-              <a:defRPr sz="1200">
+              <a:defRPr sz="567">
                 <a:solidFill>
                   <a:schemeClr val="tx1">
                     <a:tint val="75000"/>
@@ -2852,7 +2856,7 @@
           <a:p>
             <a:fld id="{793083FE-F8B2-4577-9B92-6995EB3820F1}" type="datetimeFigureOut">
               <a:rPr kumimoji="1" lang="ja-JP" altLang="en-US" smtClean="0"/>
-              <a:t>2017/7/14</a:t>
+              <a:t>2017/11/16</a:t>
             </a:fld>
             <a:endParaRPr kumimoji="1" lang="ja-JP" altLang="en-US"/>
           </a:p>
@@ -2860,7 +2864,7 @@
       </p:sp>
       <p:sp>
         <p:nvSpPr>
-          <p:cNvPr id="5" name="フッター プレースホルダー 4"/>
+          <p:cNvPr id="5" name="Footer Placeholder 4"/>
           <p:cNvSpPr>
             <a:spLocks noGrp="1"/>
           </p:cNvSpPr>
@@ -2870,8 +2874,8 @@
         </p:nvSpPr>
         <p:spPr>
           <a:xfrm>
-            <a:off x="4038600" y="6356350"/>
-            <a:ext cx="4114800" cy="365125"/>
+            <a:off x="4038600" y="3003082"/>
+            <a:ext cx="4114800" cy="172505"/>
           </a:xfrm>
           <a:prstGeom prst="rect">
             <a:avLst/>
@@ -2881,7 +2885,7 @@
           <a:bodyPr vert="horz" lIns="91440" tIns="45720" rIns="91440" bIns="45720" rtlCol="0" anchor="ctr"/>
           <a:lstStyle>
             <a:lvl1pPr algn="ctr">
-              <a:defRPr sz="1200">
+              <a:defRPr sz="567">
                 <a:solidFill>
                   <a:schemeClr val="tx1">
                     <a:tint val="75000"/>
@@ -2897,7 +2901,7 @@
       </p:sp>
       <p:sp>
         <p:nvSpPr>
-          <p:cNvPr id="6" name="スライド番号プレースホルダー 5"/>
+          <p:cNvPr id="6" name="Slide Number Placeholder 5"/>
           <p:cNvSpPr>
             <a:spLocks noGrp="1"/>
           </p:cNvSpPr>
@@ -2907,8 +2911,8 @@
         </p:nvSpPr>
         <p:spPr>
           <a:xfrm>
-            <a:off x="8610600" y="6356350"/>
-            <a:ext cx="2743200" cy="365125"/>
+            <a:off x="8610600" y="3003082"/>
+            <a:ext cx="2743200" cy="172505"/>
           </a:xfrm>
           <a:prstGeom prst="rect">
             <a:avLst/>
@@ -2918,7 +2922,7 @@
           <a:bodyPr vert="horz" lIns="91440" tIns="45720" rIns="91440" bIns="45720" rtlCol="0" anchor="ctr"/>
           <a:lstStyle>
             <a:lvl1pPr algn="r">
-              <a:defRPr sz="1200">
+              <a:defRPr sz="567">
                 <a:solidFill>
                   <a:schemeClr val="tx1">
                     <a:tint val="75000"/>
@@ -2939,27 +2943,27 @@
     </p:spTree>
     <p:extLst>
       <p:ext uri="{BB962C8B-B14F-4D97-AF65-F5344CB8AC3E}">
-        <p14:creationId xmlns:p14="http://schemas.microsoft.com/office/powerpoint/2010/main" val="4228023476"/>
+        <p14:creationId xmlns:p14="http://schemas.microsoft.com/office/powerpoint/2010/main" val="2468902656"/>
       </p:ext>
     </p:extLst>
   </p:cSld>
   <p:clrMap bg1="lt1" tx1="dk1" bg2="lt2" tx2="dk2" accent1="accent1" accent2="accent2" accent3="accent3" accent4="accent4" accent5="accent5" accent6="accent6" hlink="hlink" folHlink="folHlink"/>
   <p:sldLayoutIdLst>
-    <p:sldLayoutId id="2147483649" r:id="rId1"/>
-    <p:sldLayoutId id="2147483650" r:id="rId2"/>
-    <p:sldLayoutId id="2147483651" r:id="rId3"/>
-    <p:sldLayoutId id="2147483652" r:id="rId4"/>
-    <p:sldLayoutId id="2147483653" r:id="rId5"/>
-    <p:sldLayoutId id="2147483654" r:id="rId6"/>
-    <p:sldLayoutId id="2147483655" r:id="rId7"/>
-    <p:sldLayoutId id="2147483656" r:id="rId8"/>
-    <p:sldLayoutId id="2147483657" r:id="rId9"/>
-    <p:sldLayoutId id="2147483658" r:id="rId10"/>
-    <p:sldLayoutId id="2147483659" r:id="rId11"/>
+    <p:sldLayoutId id="2147483685" r:id="rId1"/>
+    <p:sldLayoutId id="2147483686" r:id="rId2"/>
+    <p:sldLayoutId id="2147483687" r:id="rId3"/>
+    <p:sldLayoutId id="2147483688" r:id="rId4"/>
+    <p:sldLayoutId id="2147483689" r:id="rId5"/>
+    <p:sldLayoutId id="2147483690" r:id="rId6"/>
+    <p:sldLayoutId id="2147483691" r:id="rId7"/>
+    <p:sldLayoutId id="2147483692" r:id="rId8"/>
+    <p:sldLayoutId id="2147483693" r:id="rId9"/>
+    <p:sldLayoutId id="2147483694" r:id="rId10"/>
+    <p:sldLayoutId id="2147483695" r:id="rId11"/>
   </p:sldLayoutIdLst>
   <p:txStyles>
     <p:titleStyle>
-      <a:lvl1pPr algn="l" defTabSz="914400" rtl="0" eaLnBrk="1" latinLnBrk="0" hangingPunct="1">
+      <a:lvl1pPr algn="l" defTabSz="432054" rtl="0" eaLnBrk="1" latinLnBrk="0" hangingPunct="1">
         <a:lnSpc>
           <a:spcPct val="90000"/>
         </a:lnSpc>
@@ -2967,7 +2971,7 @@
           <a:spcPct val="0"/>
         </a:spcBef>
         <a:buNone/>
-        <a:defRPr kumimoji="1" sz="4400" kern="1200">
+        <a:defRPr kumimoji="1" sz="2079" kern="1200">
           <a:solidFill>
             <a:schemeClr val="tx1"/>
           </a:solidFill>
@@ -2978,16 +2982,16 @@
       </a:lvl1pPr>
     </p:titleStyle>
     <p:bodyStyle>
-      <a:lvl1pPr marL="228600" indent="-228600" algn="l" defTabSz="914400" rtl="0" eaLnBrk="1" latinLnBrk="0" hangingPunct="1">
+      <a:lvl1pPr marL="108014" indent="-108014" algn="l" defTabSz="432054" rtl="0" eaLnBrk="1" latinLnBrk="0" hangingPunct="1">
         <a:lnSpc>
           <a:spcPct val="90000"/>
         </a:lnSpc>
         <a:spcBef>
-          <a:spcPts val="1000"/>
+          <a:spcPts val="472"/>
         </a:spcBef>
         <a:buFont typeface="Arial" panose="020B0604020202020204" pitchFamily="34" charset="0"/>
         <a:buChar char="•"/>
-        <a:defRPr kumimoji="1" sz="2800" kern="1200">
+        <a:defRPr kumimoji="1" sz="1323" kern="1200">
           <a:solidFill>
             <a:schemeClr val="tx1"/>
           </a:solidFill>
@@ -2996,16 +3000,16 @@
           <a:cs typeface="+mn-cs"/>
         </a:defRPr>
       </a:lvl1pPr>
-      <a:lvl2pPr marL="685800" indent="-228600" algn="l" defTabSz="914400" rtl="0" eaLnBrk="1" latinLnBrk="0" hangingPunct="1">
+      <a:lvl2pPr marL="324041" indent="-108014" algn="l" defTabSz="432054" rtl="0" eaLnBrk="1" latinLnBrk="0" hangingPunct="1">
         <a:lnSpc>
           <a:spcPct val="90000"/>
         </a:lnSpc>
         <a:spcBef>
-          <a:spcPts val="500"/>
+          <a:spcPts val="236"/>
         </a:spcBef>
         <a:buFont typeface="Arial" panose="020B0604020202020204" pitchFamily="34" charset="0"/>
         <a:buChar char="•"/>
-        <a:defRPr kumimoji="1" sz="2400" kern="1200">
+        <a:defRPr kumimoji="1" sz="1134" kern="1200">
           <a:solidFill>
             <a:schemeClr val="tx1"/>
           </a:solidFill>
@@ -3014,16 +3018,16 @@
           <a:cs typeface="+mn-cs"/>
         </a:defRPr>
       </a:lvl2pPr>
-      <a:lvl3pPr marL="1143000" indent="-228600" algn="l" defTabSz="914400" rtl="0" eaLnBrk="1" latinLnBrk="0" hangingPunct="1">
+      <a:lvl3pPr marL="540068" indent="-108014" algn="l" defTabSz="432054" rtl="0" eaLnBrk="1" latinLnBrk="0" hangingPunct="1">
         <a:lnSpc>
           <a:spcPct val="90000"/>
         </a:lnSpc>
         <a:spcBef>
-          <a:spcPts val="500"/>
+          <a:spcPts val="236"/>
         </a:spcBef>
         <a:buFont typeface="Arial" panose="020B0604020202020204" pitchFamily="34" charset="0"/>
         <a:buChar char="•"/>
-        <a:defRPr kumimoji="1" sz="2000" kern="1200">
+        <a:defRPr kumimoji="1" sz="945" kern="1200">
           <a:solidFill>
             <a:schemeClr val="tx1"/>
           </a:solidFill>
@@ -3032,16 +3036,16 @@
           <a:cs typeface="+mn-cs"/>
         </a:defRPr>
       </a:lvl3pPr>
-      <a:lvl4pPr marL="1600200" indent="-228600" algn="l" defTabSz="914400" rtl="0" eaLnBrk="1" latinLnBrk="0" hangingPunct="1">
+      <a:lvl4pPr marL="756095" indent="-108014" algn="l" defTabSz="432054" rtl="0" eaLnBrk="1" latinLnBrk="0" hangingPunct="1">
         <a:lnSpc>
           <a:spcPct val="90000"/>
         </a:lnSpc>
         <a:spcBef>
-          <a:spcPts val="500"/>
+          <a:spcPts val="236"/>
         </a:spcBef>
         <a:buFont typeface="Arial" panose="020B0604020202020204" pitchFamily="34" charset="0"/>
         <a:buChar char="•"/>
-        <a:defRPr kumimoji="1" sz="1800" kern="1200">
+        <a:defRPr kumimoji="1" sz="851" kern="1200">
           <a:solidFill>
             <a:schemeClr val="tx1"/>
           </a:solidFill>
@@ -3050,16 +3054,16 @@
           <a:cs typeface="+mn-cs"/>
         </a:defRPr>
       </a:lvl4pPr>
-      <a:lvl5pPr marL="2057400" indent="-228600" algn="l" defTabSz="914400" rtl="0" eaLnBrk="1" latinLnBrk="0" hangingPunct="1">
+      <a:lvl5pPr marL="972122" indent="-108014" algn="l" defTabSz="432054" rtl="0" eaLnBrk="1" latinLnBrk="0" hangingPunct="1">
         <a:lnSpc>
           <a:spcPct val="90000"/>
         </a:lnSpc>
         <a:spcBef>
-          <a:spcPts val="500"/>
+          <a:spcPts val="236"/>
         </a:spcBef>
         <a:buFont typeface="Arial" panose="020B0604020202020204" pitchFamily="34" charset="0"/>
         <a:buChar char="•"/>
-        <a:defRPr kumimoji="1" sz="1800" kern="1200">
+        <a:defRPr kumimoji="1" sz="851" kern="1200">
           <a:solidFill>
             <a:schemeClr val="tx1"/>
           </a:solidFill>
@@ -3068,16 +3072,16 @@
           <a:cs typeface="+mn-cs"/>
         </a:defRPr>
       </a:lvl5pPr>
-      <a:lvl6pPr marL="2514600" indent="-228600" algn="l" defTabSz="914400" rtl="0" eaLnBrk="1" latinLnBrk="0" hangingPunct="1">
+      <a:lvl6pPr marL="1188149" indent="-108014" algn="l" defTabSz="432054" rtl="0" eaLnBrk="1" latinLnBrk="0" hangingPunct="1">
         <a:lnSpc>
           <a:spcPct val="90000"/>
         </a:lnSpc>
         <a:spcBef>
-          <a:spcPts val="500"/>
+          <a:spcPts val="236"/>
         </a:spcBef>
         <a:buFont typeface="Arial" panose="020B0604020202020204" pitchFamily="34" charset="0"/>
         <a:buChar char="•"/>
-        <a:defRPr kumimoji="1" sz="1800" kern="1200">
+        <a:defRPr kumimoji="1" sz="851" kern="1200">
           <a:solidFill>
             <a:schemeClr val="tx1"/>
           </a:solidFill>
@@ -3086,16 +3090,16 @@
           <a:cs typeface="+mn-cs"/>
         </a:defRPr>
       </a:lvl6pPr>
-      <a:lvl7pPr marL="2971800" indent="-228600" algn="l" defTabSz="914400" rtl="0" eaLnBrk="1" latinLnBrk="0" hangingPunct="1">
+      <a:lvl7pPr marL="1404176" indent="-108014" algn="l" defTabSz="432054" rtl="0" eaLnBrk="1" latinLnBrk="0" hangingPunct="1">
         <a:lnSpc>
           <a:spcPct val="90000"/>
         </a:lnSpc>
         <a:spcBef>
-          <a:spcPts val="500"/>
+          <a:spcPts val="236"/>
         </a:spcBef>
         <a:buFont typeface="Arial" panose="020B0604020202020204" pitchFamily="34" charset="0"/>
         <a:buChar char="•"/>
-        <a:defRPr kumimoji="1" sz="1800" kern="1200">
+        <a:defRPr kumimoji="1" sz="851" kern="1200">
           <a:solidFill>
             <a:schemeClr val="tx1"/>
           </a:solidFill>
@@ -3104,16 +3108,16 @@
           <a:cs typeface="+mn-cs"/>
         </a:defRPr>
       </a:lvl7pPr>
-      <a:lvl8pPr marL="3429000" indent="-228600" algn="l" defTabSz="914400" rtl="0" eaLnBrk="1" latinLnBrk="0" hangingPunct="1">
+      <a:lvl8pPr marL="1620203" indent="-108014" algn="l" defTabSz="432054" rtl="0" eaLnBrk="1" latinLnBrk="0" hangingPunct="1">
         <a:lnSpc>
           <a:spcPct val="90000"/>
         </a:lnSpc>
         <a:spcBef>
-          <a:spcPts val="500"/>
+          <a:spcPts val="236"/>
         </a:spcBef>
         <a:buFont typeface="Arial" panose="020B0604020202020204" pitchFamily="34" charset="0"/>
         <a:buChar char="•"/>
-        <a:defRPr kumimoji="1" sz="1800" kern="1200">
+        <a:defRPr kumimoji="1" sz="851" kern="1200">
           <a:solidFill>
             <a:schemeClr val="tx1"/>
           </a:solidFill>
@@ -3122,16 +3126,16 @@
           <a:cs typeface="+mn-cs"/>
         </a:defRPr>
       </a:lvl8pPr>
-      <a:lvl9pPr marL="3886200" indent="-228600" algn="l" defTabSz="914400" rtl="0" eaLnBrk="1" latinLnBrk="0" hangingPunct="1">
+      <a:lvl9pPr marL="1836230" indent="-108014" algn="l" defTabSz="432054" rtl="0" eaLnBrk="1" latinLnBrk="0" hangingPunct="1">
         <a:lnSpc>
           <a:spcPct val="90000"/>
         </a:lnSpc>
         <a:spcBef>
-          <a:spcPts val="500"/>
+          <a:spcPts val="236"/>
         </a:spcBef>
         <a:buFont typeface="Arial" panose="020B0604020202020204" pitchFamily="34" charset="0"/>
         <a:buChar char="•"/>
-        <a:defRPr kumimoji="1" sz="1800" kern="1200">
+        <a:defRPr kumimoji="1" sz="851" kern="1200">
           <a:solidFill>
             <a:schemeClr val="tx1"/>
           </a:solidFill>
@@ -3143,10 +3147,10 @@
     </p:bodyStyle>
     <p:otherStyle>
       <a:defPPr>
-        <a:defRPr lang="ja-JP"/>
+        <a:defRPr lang="en-US"/>
       </a:defPPr>
-      <a:lvl1pPr marL="0" algn="l" defTabSz="914400" rtl="0" eaLnBrk="1" latinLnBrk="0" hangingPunct="1">
-        <a:defRPr kumimoji="1" sz="1800" kern="1200">
+      <a:lvl1pPr marL="0" algn="l" defTabSz="432054" rtl="0" eaLnBrk="1" latinLnBrk="0" hangingPunct="1">
+        <a:defRPr kumimoji="1" sz="851" kern="1200">
           <a:solidFill>
             <a:schemeClr val="tx1"/>
           </a:solidFill>
@@ -3155,8 +3159,8 @@
           <a:cs typeface="+mn-cs"/>
         </a:defRPr>
       </a:lvl1pPr>
-      <a:lvl2pPr marL="457200" algn="l" defTabSz="914400" rtl="0" eaLnBrk="1" latinLnBrk="0" hangingPunct="1">
-        <a:defRPr kumimoji="1" sz="1800" kern="1200">
+      <a:lvl2pPr marL="216027" algn="l" defTabSz="432054" rtl="0" eaLnBrk="1" latinLnBrk="0" hangingPunct="1">
+        <a:defRPr kumimoji="1" sz="851" kern="1200">
           <a:solidFill>
             <a:schemeClr val="tx1"/>
           </a:solidFill>
@@ -3165,8 +3169,8 @@
           <a:cs typeface="+mn-cs"/>
         </a:defRPr>
       </a:lvl2pPr>
-      <a:lvl3pPr marL="914400" algn="l" defTabSz="914400" rtl="0" eaLnBrk="1" latinLnBrk="0" hangingPunct="1">
-        <a:defRPr kumimoji="1" sz="1800" kern="1200">
+      <a:lvl3pPr marL="432054" algn="l" defTabSz="432054" rtl="0" eaLnBrk="1" latinLnBrk="0" hangingPunct="1">
+        <a:defRPr kumimoji="1" sz="851" kern="1200">
           <a:solidFill>
             <a:schemeClr val="tx1"/>
           </a:solidFill>
@@ -3175,8 +3179,8 @@
           <a:cs typeface="+mn-cs"/>
         </a:defRPr>
       </a:lvl3pPr>
-      <a:lvl4pPr marL="1371600" algn="l" defTabSz="914400" rtl="0" eaLnBrk="1" latinLnBrk="0" hangingPunct="1">
-        <a:defRPr kumimoji="1" sz="1800" kern="1200">
+      <a:lvl4pPr marL="648081" algn="l" defTabSz="432054" rtl="0" eaLnBrk="1" latinLnBrk="0" hangingPunct="1">
+        <a:defRPr kumimoji="1" sz="851" kern="1200">
           <a:solidFill>
             <a:schemeClr val="tx1"/>
           </a:solidFill>
@@ -3185,8 +3189,8 @@
           <a:cs typeface="+mn-cs"/>
         </a:defRPr>
       </a:lvl4pPr>
-      <a:lvl5pPr marL="1828800" algn="l" defTabSz="914400" rtl="0" eaLnBrk="1" latinLnBrk="0" hangingPunct="1">
-        <a:defRPr kumimoji="1" sz="1800" kern="1200">
+      <a:lvl5pPr marL="864108" algn="l" defTabSz="432054" rtl="0" eaLnBrk="1" latinLnBrk="0" hangingPunct="1">
+        <a:defRPr kumimoji="1" sz="851" kern="1200">
           <a:solidFill>
             <a:schemeClr val="tx1"/>
           </a:solidFill>
@@ -3195,8 +3199,8 @@
           <a:cs typeface="+mn-cs"/>
         </a:defRPr>
       </a:lvl5pPr>
-      <a:lvl6pPr marL="2286000" algn="l" defTabSz="914400" rtl="0" eaLnBrk="1" latinLnBrk="0" hangingPunct="1">
-        <a:defRPr kumimoji="1" sz="1800" kern="1200">
+      <a:lvl6pPr marL="1080135" algn="l" defTabSz="432054" rtl="0" eaLnBrk="1" latinLnBrk="0" hangingPunct="1">
+        <a:defRPr kumimoji="1" sz="851" kern="1200">
           <a:solidFill>
             <a:schemeClr val="tx1"/>
           </a:solidFill>
@@ -3205,8 +3209,8 @@
           <a:cs typeface="+mn-cs"/>
         </a:defRPr>
       </a:lvl6pPr>
-      <a:lvl7pPr marL="2743200" algn="l" defTabSz="914400" rtl="0" eaLnBrk="1" latinLnBrk="0" hangingPunct="1">
-        <a:defRPr kumimoji="1" sz="1800" kern="1200">
+      <a:lvl7pPr marL="1296162" algn="l" defTabSz="432054" rtl="0" eaLnBrk="1" latinLnBrk="0" hangingPunct="1">
+        <a:defRPr kumimoji="1" sz="851" kern="1200">
           <a:solidFill>
             <a:schemeClr val="tx1"/>
           </a:solidFill>
@@ -3215,8 +3219,8 @@
           <a:cs typeface="+mn-cs"/>
         </a:defRPr>
       </a:lvl7pPr>
-      <a:lvl8pPr marL="3200400" algn="l" defTabSz="914400" rtl="0" eaLnBrk="1" latinLnBrk="0" hangingPunct="1">
-        <a:defRPr kumimoji="1" sz="1800" kern="1200">
+      <a:lvl8pPr marL="1512189" algn="l" defTabSz="432054" rtl="0" eaLnBrk="1" latinLnBrk="0" hangingPunct="1">
+        <a:defRPr kumimoji="1" sz="851" kern="1200">
           <a:solidFill>
             <a:schemeClr val="tx1"/>
           </a:solidFill>
@@ -3225,8 +3229,8 @@
           <a:cs typeface="+mn-cs"/>
         </a:defRPr>
       </a:lvl8pPr>
-      <a:lvl9pPr marL="3657600" algn="l" defTabSz="914400" rtl="0" eaLnBrk="1" latinLnBrk="0" hangingPunct="1">
-        <a:defRPr kumimoji="1" sz="1800" kern="1200">
+      <a:lvl9pPr marL="1728216" algn="l" defTabSz="432054" rtl="0" eaLnBrk="1" latinLnBrk="0" hangingPunct="1">
+        <a:defRPr kumimoji="1" sz="851" kern="1200">
           <a:solidFill>
             <a:schemeClr val="tx1"/>
           </a:solidFill>
@@ -3265,8 +3269,8 @@
         </p:nvSpPr>
         <p:spPr bwMode="auto">
           <a:xfrm>
-            <a:off x="3843287" y="4253916"/>
-            <a:ext cx="3880099" cy="2415819"/>
+            <a:off x="3843290" y="1902718"/>
+            <a:ext cx="3880099" cy="1253065"/>
           </a:xfrm>
           <a:prstGeom prst="snip1Rect">
             <a:avLst/>
@@ -3312,7 +3316,7 @@
               </a:spcAft>
             </a:pPr>
             <a:r>
-              <a:rPr lang="en-US" altLang="ja-JP" sz="3200" dirty="0" err="1" smtClean="0">
+              <a:rPr lang="en-US" altLang="ja-JP" sz="3200" dirty="0" err="1">
                 <a:solidFill>
                   <a:schemeClr val="tx1"/>
                 </a:solidFill>
@@ -3320,20 +3324,9 @@
                 <a:ea typeface="メイリオ" panose="020B0604030504040204" pitchFamily="50" charset="-128"/>
                 <a:cs typeface="メイリオ" pitchFamily="50" charset="-128"/>
               </a:rPr>
-              <a:t>tlsf</a:t>
-            </a:r>
-            <a:r>
-              <a:rPr lang="en-US" altLang="ja-JP" sz="3200" dirty="0" err="1" smtClean="0">
-                <a:solidFill>
-                  <a:schemeClr val="tx1"/>
-                </a:solidFill>
-                <a:latin typeface="メイリオ" panose="020B0604030504040204" pitchFamily="50" charset="-128"/>
-                <a:ea typeface="メイリオ" panose="020B0604030504040204" pitchFamily="50" charset="-128"/>
-                <a:cs typeface="メイリオ" pitchFamily="50" charset="-128"/>
-              </a:rPr>
-              <a:t>.c</a:t>
-            </a:r>
-            <a:endParaRPr lang="en-US" altLang="ja-JP" sz="2400" dirty="0" smtClean="0">
+              <a:t>tlsf.c</a:t>
+            </a:r>
+            <a:endParaRPr lang="en-US" altLang="ja-JP" sz="2400" dirty="0">
               <a:solidFill>
                 <a:schemeClr val="tx1"/>
               </a:solidFill>
@@ -3352,7 +3345,7 @@
         </p:nvSpPr>
         <p:spPr bwMode="auto">
           <a:xfrm>
-            <a:off x="282223" y="4835290"/>
+            <a:off x="282223" y="1902718"/>
             <a:ext cx="2573866" cy="1253065"/>
           </a:xfrm>
           <a:prstGeom prst="rect">
@@ -3399,7 +3392,7 @@
               </a:spcAft>
             </a:pPr>
             <a:r>
-              <a:rPr lang="en-US" altLang="ja-JP" sz="2400" dirty="0" smtClean="0">
+              <a:rPr lang="en-US" altLang="ja-JP" sz="2400" dirty="0">
                 <a:solidFill>
                   <a:schemeClr val="tx1"/>
                 </a:solidFill>
@@ -3410,7 +3403,7 @@
               <a:t>  </a:t>
             </a:r>
             <a:r>
-              <a:rPr lang="en-US" altLang="ja-JP" sz="2400" dirty="0" err="1" smtClean="0">
+              <a:rPr lang="en-US" altLang="ja-JP" sz="2400" dirty="0" err="1">
                 <a:solidFill>
                   <a:schemeClr val="tx1"/>
                 </a:solidFill>
@@ -3420,7 +3413,7 @@
               </a:rPr>
               <a:t>tTask</a:t>
             </a:r>
-            <a:endParaRPr lang="en-US" altLang="ja-JP" sz="2400" dirty="0" smtClean="0">
+            <a:endParaRPr lang="en-US" altLang="ja-JP" sz="2400" dirty="0">
               <a:solidFill>
                 <a:schemeClr val="tx1"/>
               </a:solidFill>
@@ -3442,17 +3435,6 @@
               </a:spcAft>
             </a:pPr>
             <a:r>
-              <a:rPr lang="en-US" altLang="ja-JP" sz="2400" dirty="0" smtClean="0">
-                <a:solidFill>
-                  <a:schemeClr val="tx1"/>
-                </a:solidFill>
-                <a:latin typeface="メイリオ" panose="020B0604030504040204" pitchFamily="50" charset="-128"/>
-                <a:ea typeface="メイリオ" panose="020B0604030504040204" pitchFamily="50" charset="-128"/>
-                <a:cs typeface="メイリオ" pitchFamily="50" charset="-128"/>
-              </a:rPr>
-              <a:t>Task_00</a:t>
-            </a:r>
-            <a:r>
               <a:rPr lang="en-US" altLang="ja-JP" sz="2400" dirty="0">
                 <a:solidFill>
                   <a:schemeClr val="tx1"/>
@@ -3461,7 +3443,7 @@
                 <a:ea typeface="メイリオ" panose="020B0604030504040204" pitchFamily="50" charset="-128"/>
                 <a:cs typeface="メイリオ" pitchFamily="50" charset="-128"/>
               </a:rPr>
-              <a:t>2</a:t>
+              <a:t>Task_002</a:t>
             </a:r>
           </a:p>
         </p:txBody>
@@ -3474,7 +3456,7 @@
         </p:nvSpPr>
         <p:spPr bwMode="auto">
           <a:xfrm>
-            <a:off x="282223" y="1046754"/>
+            <a:off x="282223" y="547393"/>
             <a:ext cx="2573866" cy="1253065"/>
           </a:xfrm>
           <a:prstGeom prst="rect">
@@ -3521,7 +3503,7 @@
               </a:spcAft>
             </a:pPr>
             <a:r>
-              <a:rPr lang="en-US" altLang="ja-JP" sz="2400" dirty="0" smtClean="0">
+              <a:rPr lang="en-US" altLang="ja-JP" sz="2400" dirty="0">
                 <a:solidFill>
                   <a:schemeClr val="tx1"/>
                 </a:solidFill>
@@ -3532,7 +3514,7 @@
               <a:t>  </a:t>
             </a:r>
             <a:r>
-              <a:rPr lang="en-US" altLang="ja-JP" sz="2400" dirty="0" err="1" smtClean="0">
+              <a:rPr lang="en-US" altLang="ja-JP" sz="2400" dirty="0" err="1">
                 <a:solidFill>
                   <a:schemeClr val="tx1"/>
                 </a:solidFill>
@@ -3542,7 +3524,7 @@
               </a:rPr>
               <a:t>tTask</a:t>
             </a:r>
-            <a:endParaRPr lang="en-US" altLang="ja-JP" sz="2400" dirty="0" smtClean="0">
+            <a:endParaRPr lang="en-US" altLang="ja-JP" sz="2400" dirty="0">
               <a:solidFill>
                 <a:schemeClr val="tx1"/>
               </a:solidFill>
@@ -3564,7 +3546,7 @@
               </a:spcAft>
             </a:pPr>
             <a:r>
-              <a:rPr lang="en-US" altLang="ja-JP" sz="2400" dirty="0" smtClean="0">
+              <a:rPr lang="en-US" altLang="ja-JP" sz="2400" dirty="0">
                 <a:solidFill>
                   <a:schemeClr val="tx1"/>
                 </a:solidFill>
@@ -3574,14 +3556,6 @@
               </a:rPr>
               <a:t>Task_001</a:t>
             </a:r>
-            <a:endParaRPr lang="en-US" altLang="ja-JP" sz="2400" dirty="0">
-              <a:solidFill>
-                <a:schemeClr val="tx1"/>
-              </a:solidFill>
-              <a:latin typeface="メイリオ" panose="020B0604030504040204" pitchFamily="50" charset="-128"/>
-              <a:ea typeface="メイリオ" panose="020B0604030504040204" pitchFamily="50" charset="-128"/>
-              <a:cs typeface="メイリオ" pitchFamily="50" charset="-128"/>
-            </a:endParaRPr>
           </a:p>
         </p:txBody>
       </p:sp>
@@ -3593,8 +3567,8 @@
         </p:nvSpPr>
         <p:spPr bwMode="auto">
           <a:xfrm>
-            <a:off x="3860985" y="465376"/>
-            <a:ext cx="3880099" cy="2415819"/>
+            <a:off x="3860988" y="547393"/>
+            <a:ext cx="3880099" cy="1253065"/>
           </a:xfrm>
           <a:prstGeom prst="snip1Rect">
             <a:avLst/>
@@ -3640,7 +3614,7 @@
               </a:spcAft>
             </a:pPr>
             <a:r>
-              <a:rPr lang="en-US" altLang="ja-JP" sz="3200" dirty="0" err="1" smtClean="0">
+              <a:rPr lang="en-US" altLang="ja-JP" sz="3200" dirty="0" err="1">
                 <a:solidFill>
                   <a:schemeClr val="tx1"/>
                 </a:solidFill>
@@ -3650,7 +3624,7 @@
               </a:rPr>
               <a:t>tlsf.c</a:t>
             </a:r>
-            <a:endParaRPr lang="en-US" altLang="ja-JP" sz="3200" dirty="0" smtClean="0">
+            <a:endParaRPr lang="en-US" altLang="ja-JP" sz="3200" dirty="0">
               <a:solidFill>
                 <a:schemeClr val="tx1"/>
               </a:solidFill>
@@ -3669,19 +3643,15 @@
         </p:nvSpPr>
         <p:spPr>
           <a:xfrm>
-            <a:off x="7843406" y="360767"/>
-            <a:ext cx="2668250" cy="692281"/>
+            <a:off x="6718213" y="66415"/>
+            <a:ext cx="2295685" cy="404102"/>
           </a:xfrm>
           <a:prstGeom prst="rect">
             <a:avLst/>
           </a:prstGeom>
-          <a:solidFill>
-            <a:schemeClr val="bg1"/>
-          </a:solidFill>
+          <a:noFill/>
           <a:ln>
-            <a:solidFill>
-              <a:schemeClr val="bg1"/>
-            </a:solidFill>
+            <a:noFill/>
           </a:ln>
         </p:spPr>
         <p:style>
@@ -3706,7 +3676,7 @@
           <a:p>
             <a:pPr algn="ctr"/>
             <a:r>
-              <a:rPr kumimoji="1" lang="en-US" altLang="ja-JP" sz="2800" dirty="0" err="1" smtClean="0">
+              <a:rPr lang="en-US" altLang="ja-JP" sz="2800" dirty="0" err="1">
                 <a:solidFill>
                   <a:schemeClr val="tx1"/>
                 </a:solidFill>
@@ -3716,7 +3686,7 @@
               <a:t>malloc</a:t>
             </a:r>
             <a:r>
-              <a:rPr kumimoji="1" lang="en-US" altLang="ja-JP" sz="2800" dirty="0" smtClean="0">
+              <a:rPr lang="en-US" altLang="ja-JP" sz="2800" dirty="0">
                 <a:solidFill>
                   <a:schemeClr val="tx1"/>
                 </a:solidFill>
@@ -3725,7 +3695,7 @@
               </a:rPr>
               <a:t>(100)</a:t>
             </a:r>
-            <a:endParaRPr kumimoji="1" lang="ja-JP" altLang="en-US" sz="2800" dirty="0">
+            <a:endParaRPr lang="ja-JP" altLang="en-US" sz="2800" dirty="0">
               <a:solidFill>
                 <a:schemeClr val="tx1"/>
               </a:solidFill>
@@ -3743,8 +3713,8 @@
         </p:nvSpPr>
         <p:spPr>
           <a:xfrm>
-            <a:off x="7866053" y="1783699"/>
-            <a:ext cx="4046905" cy="3290602"/>
+            <a:off x="7866056" y="219168"/>
+            <a:ext cx="4046905" cy="2516283"/>
           </a:xfrm>
           <a:prstGeom prst="cloud">
             <a:avLst/>
@@ -3777,7 +3747,7 @@
           <a:lstStyle/>
           <a:p>
             <a:pPr algn="ctr"/>
-            <a:endParaRPr kumimoji="1" lang="ja-JP" altLang="en-US"/>
+            <a:endParaRPr lang="ja-JP" altLang="en-US"/>
           </a:p>
         </p:txBody>
       </p:sp>
@@ -3788,9 +3758,9 @@
           <p:nvPr/>
         </p:nvSpPr>
         <p:spPr>
-          <a:xfrm rot="1226825">
-            <a:off x="7094018" y="1609886"/>
-            <a:ext cx="1453287" cy="484632"/>
+          <a:xfrm>
+            <a:off x="6848854" y="811230"/>
+            <a:ext cx="1532849" cy="484632"/>
           </a:xfrm>
           <a:prstGeom prst="rightArrow">
             <a:avLst/>
@@ -3822,7 +3792,7 @@
           <a:lstStyle/>
           <a:p>
             <a:pPr algn="ctr"/>
-            <a:endParaRPr kumimoji="1" lang="ja-JP" altLang="en-US"/>
+            <a:endParaRPr lang="ja-JP" altLang="en-US"/>
           </a:p>
         </p:txBody>
       </p:sp>
@@ -3834,7 +3804,7 @@
         </p:nvSpPr>
         <p:spPr>
           <a:xfrm>
-            <a:off x="282223" y="119232"/>
+            <a:off x="282223" y="-13307"/>
             <a:ext cx="2668250" cy="692281"/>
           </a:xfrm>
           <a:prstGeom prst="rect">
@@ -3867,7 +3837,7 @@
           <a:p>
             <a:pPr algn="ctr"/>
             <a:r>
-              <a:rPr kumimoji="1" lang="en-US" altLang="ja-JP" sz="2800" dirty="0" smtClean="0">
+              <a:rPr lang="en-US" altLang="ja-JP" sz="2800" dirty="0">
                 <a:solidFill>
                   <a:schemeClr val="tx1"/>
                 </a:solidFill>
@@ -3877,7 +3847,7 @@
               <a:t>Without</a:t>
             </a:r>
             <a:r>
-              <a:rPr kumimoji="1" lang="ja-JP" altLang="en-US" sz="2800" dirty="0" smtClean="0">
+              <a:rPr lang="ja-JP" altLang="en-US" sz="2800" dirty="0">
                 <a:solidFill>
                   <a:schemeClr val="tx1"/>
                 </a:solidFill>
@@ -3887,7 +3857,7 @@
               <a:t> </a:t>
             </a:r>
             <a:r>
-              <a:rPr kumimoji="1" lang="en-US" altLang="ja-JP" sz="2800" dirty="0" smtClean="0">
+              <a:rPr lang="en-US" altLang="ja-JP" sz="2800" dirty="0">
                 <a:solidFill>
                   <a:schemeClr val="tx1"/>
                 </a:solidFill>
@@ -3896,7 +3866,7 @@
               </a:rPr>
               <a:t>TECS</a:t>
             </a:r>
-            <a:endParaRPr kumimoji="1" lang="ja-JP" altLang="en-US" sz="2800" dirty="0">
+            <a:endParaRPr lang="ja-JP" altLang="en-US" sz="2800" dirty="0">
               <a:solidFill>
                 <a:schemeClr val="tx1"/>
               </a:solidFill>
@@ -3913,9 +3883,9 @@
           <p:nvPr/>
         </p:nvSpPr>
         <p:spPr>
-          <a:xfrm rot="18488707">
-            <a:off x="6483343" y="3465001"/>
-            <a:ext cx="2735322" cy="484632"/>
+          <a:xfrm rot="19170746">
+            <a:off x="6720198" y="1801872"/>
+            <a:ext cx="2053184" cy="484632"/>
           </a:xfrm>
           <a:prstGeom prst="rightArrow">
             <a:avLst/>
@@ -3947,7 +3917,7 @@
           <a:lstStyle/>
           <a:p>
             <a:pPr algn="ctr"/>
-            <a:endParaRPr kumimoji="1" lang="ja-JP" altLang="en-US"/>
+            <a:endParaRPr lang="ja-JP" altLang="en-US"/>
           </a:p>
         </p:txBody>
       </p:sp>
@@ -3959,10 +3929,10 @@
         </p:nvGrpSpPr>
         <p:grpSpPr>
           <a:xfrm>
-            <a:off x="8954340" y="2426811"/>
-            <a:ext cx="1922430" cy="2004379"/>
+            <a:off x="8954340" y="617858"/>
+            <a:ext cx="1922430" cy="1716923"/>
             <a:chOff x="8954340" y="2081611"/>
-            <a:chExt cx="1922430" cy="2004379"/>
+            <a:chExt cx="1922430" cy="1716923"/>
           </a:xfrm>
         </p:grpSpPr>
         <p:grpSp>
@@ -3974,9 +3944,9 @@
           <p:grpSpPr>
             <a:xfrm>
               <a:off x="8954340" y="2646968"/>
-              <a:ext cx="1922430" cy="1439022"/>
+              <a:ext cx="1922430" cy="1151566"/>
               <a:chOff x="9596424" y="902075"/>
-              <a:chExt cx="1922430" cy="1439022"/>
+              <a:chExt cx="1922430" cy="1151566"/>
             </a:xfrm>
           </p:grpSpPr>
           <p:sp>
@@ -4021,7 +3991,7 @@
               <a:lstStyle/>
               <a:p>
                 <a:pPr algn="ctr"/>
-                <a:endParaRPr kumimoji="1" lang="ja-JP" altLang="en-US"/>
+                <a:endParaRPr lang="ja-JP" altLang="en-US"/>
               </a:p>
             </p:txBody>
           </p:sp>
@@ -4067,7 +4037,7 @@
               <a:lstStyle/>
               <a:p>
                 <a:pPr algn="ctr"/>
-                <a:endParaRPr kumimoji="1" lang="ja-JP" altLang="en-US"/>
+                <a:endParaRPr lang="ja-JP" altLang="en-US"/>
               </a:p>
             </p:txBody>
           </p:sp>
@@ -4113,7 +4083,7 @@
               <a:lstStyle/>
               <a:p>
                 <a:pPr algn="ctr"/>
-                <a:endParaRPr kumimoji="1" lang="ja-JP" altLang="en-US"/>
+                <a:endParaRPr lang="ja-JP" altLang="en-US"/>
               </a:p>
             </p:txBody>
           </p:sp>
@@ -4159,7 +4129,7 @@
               <a:lstStyle/>
               <a:p>
                 <a:pPr algn="ctr"/>
-                <a:endParaRPr kumimoji="1" lang="ja-JP" altLang="en-US"/>
+                <a:endParaRPr lang="ja-JP" altLang="en-US"/>
               </a:p>
             </p:txBody>
           </p:sp>
@@ -4205,7 +4175,7 @@
               <a:lstStyle/>
               <a:p>
                 <a:pPr algn="ctr"/>
-                <a:endParaRPr kumimoji="1" lang="ja-JP" altLang="en-US"/>
+                <a:endParaRPr lang="ja-JP" altLang="en-US"/>
               </a:p>
             </p:txBody>
           </p:sp>
@@ -4251,7 +4221,7 @@
               <a:lstStyle/>
               <a:p>
                 <a:pPr algn="ctr"/>
-                <a:endParaRPr kumimoji="1" lang="ja-JP" altLang="en-US"/>
+                <a:endParaRPr lang="ja-JP" altLang="en-US"/>
               </a:p>
             </p:txBody>
           </p:sp>
@@ -4297,7 +4267,7 @@
               <a:lstStyle/>
               <a:p>
                 <a:pPr algn="ctr"/>
-                <a:endParaRPr kumimoji="1" lang="ja-JP" altLang="en-US"/>
+                <a:endParaRPr lang="ja-JP" altLang="en-US"/>
               </a:p>
             </p:txBody>
           </p:sp>
@@ -4343,7 +4313,7 @@
               <a:lstStyle/>
               <a:p>
                 <a:pPr algn="ctr"/>
-                <a:endParaRPr kumimoji="1" lang="ja-JP" altLang="en-US"/>
+                <a:endParaRPr lang="ja-JP" altLang="en-US"/>
               </a:p>
             </p:txBody>
           </p:sp>
@@ -4389,7 +4359,7 @@
               <a:lstStyle/>
               <a:p>
                 <a:pPr algn="ctr"/>
-                <a:endParaRPr kumimoji="1" lang="ja-JP" altLang="en-US"/>
+                <a:endParaRPr lang="ja-JP" altLang="en-US"/>
               </a:p>
             </p:txBody>
           </p:sp>
@@ -4435,7 +4405,7 @@
               <a:lstStyle/>
               <a:p>
                 <a:pPr algn="ctr"/>
-                <a:endParaRPr kumimoji="1" lang="ja-JP" altLang="en-US"/>
+                <a:endParaRPr lang="ja-JP" altLang="en-US"/>
               </a:p>
             </p:txBody>
           </p:sp>
@@ -4481,7 +4451,7 @@
               <a:lstStyle/>
               <a:p>
                 <a:pPr algn="ctr"/>
-                <a:endParaRPr kumimoji="1" lang="ja-JP" altLang="en-US"/>
+                <a:endParaRPr lang="ja-JP" altLang="en-US"/>
               </a:p>
             </p:txBody>
           </p:sp>
@@ -4527,7 +4497,7 @@
               <a:lstStyle/>
               <a:p>
                 <a:pPr algn="ctr"/>
-                <a:endParaRPr kumimoji="1" lang="ja-JP" altLang="en-US"/>
+                <a:endParaRPr lang="ja-JP" altLang="en-US"/>
               </a:p>
             </p:txBody>
           </p:sp>
@@ -4573,7 +4543,7 @@
               <a:lstStyle/>
               <a:p>
                 <a:pPr algn="ctr"/>
-                <a:endParaRPr kumimoji="1" lang="ja-JP" altLang="en-US"/>
+                <a:endParaRPr lang="ja-JP" altLang="en-US"/>
               </a:p>
             </p:txBody>
           </p:sp>
@@ -4619,7 +4589,7 @@
               <a:lstStyle/>
               <a:p>
                 <a:pPr algn="ctr"/>
-                <a:endParaRPr kumimoji="1" lang="ja-JP" altLang="en-US"/>
+                <a:endParaRPr lang="ja-JP" altLang="en-US"/>
               </a:p>
             </p:txBody>
           </p:sp>
@@ -4665,7 +4635,7 @@
               <a:lstStyle/>
               <a:p>
                 <a:pPr algn="ctr"/>
-                <a:endParaRPr kumimoji="1" lang="ja-JP" altLang="en-US"/>
+                <a:endParaRPr lang="ja-JP" altLang="en-US"/>
               </a:p>
             </p:txBody>
           </p:sp>
@@ -4711,7 +4681,7 @@
               <a:lstStyle/>
               <a:p>
                 <a:pPr algn="ctr"/>
-                <a:endParaRPr kumimoji="1" lang="ja-JP" altLang="en-US"/>
+                <a:endParaRPr lang="ja-JP" altLang="en-US"/>
               </a:p>
             </p:txBody>
           </p:sp>
@@ -4757,7 +4727,7 @@
               <a:lstStyle/>
               <a:p>
                 <a:pPr algn="ctr"/>
-                <a:endParaRPr kumimoji="1" lang="ja-JP" altLang="en-US"/>
+                <a:endParaRPr lang="ja-JP" altLang="en-US"/>
               </a:p>
             </p:txBody>
           </p:sp>
@@ -4803,283 +4773,7 @@
               <a:lstStyle/>
               <a:p>
                 <a:pPr algn="ctr"/>
-                <a:endParaRPr kumimoji="1" lang="ja-JP" altLang="en-US"/>
-              </a:p>
-            </p:txBody>
-          </p:sp>
-          <p:sp>
-            <p:nvSpPr>
-              <p:cNvPr id="125" name="正方形/長方形 124"/>
-              <p:cNvSpPr/>
-              <p:nvPr/>
-            </p:nvSpPr>
-            <p:spPr>
-              <a:xfrm>
-                <a:off x="9596424" y="2053064"/>
-                <a:ext cx="320308" cy="288033"/>
-              </a:xfrm>
-              <a:prstGeom prst="rect">
-                <a:avLst/>
-              </a:prstGeom>
-              <a:noFill/>
-              <a:ln>
-                <a:solidFill>
-                  <a:schemeClr val="tx1"/>
-                </a:solidFill>
-              </a:ln>
-            </p:spPr>
-            <p:style>
-              <a:lnRef idx="2">
-                <a:schemeClr val="accent1">
-                  <a:shade val="50000"/>
-                </a:schemeClr>
-              </a:lnRef>
-              <a:fillRef idx="1">
-                <a:schemeClr val="accent1"/>
-              </a:fillRef>
-              <a:effectRef idx="0">
-                <a:schemeClr val="accent1"/>
-              </a:effectRef>
-              <a:fontRef idx="minor">
-                <a:schemeClr val="lt1"/>
-              </a:fontRef>
-            </p:style>
-            <p:txBody>
-              <a:bodyPr rtlCol="0" anchor="ctr"/>
-              <a:lstStyle/>
-              <a:p>
-                <a:pPr algn="ctr"/>
-                <a:endParaRPr kumimoji="1" lang="ja-JP" altLang="en-US"/>
-              </a:p>
-            </p:txBody>
-          </p:sp>
-          <p:sp>
-            <p:nvSpPr>
-              <p:cNvPr id="126" name="正方形/長方形 125"/>
-              <p:cNvSpPr/>
-              <p:nvPr/>
-            </p:nvSpPr>
-            <p:spPr>
-              <a:xfrm>
-                <a:off x="9916732" y="2053063"/>
-                <a:ext cx="320308" cy="288033"/>
-              </a:xfrm>
-              <a:prstGeom prst="rect">
-                <a:avLst/>
-              </a:prstGeom>
-              <a:noFill/>
-              <a:ln>
-                <a:solidFill>
-                  <a:schemeClr val="tx1"/>
-                </a:solidFill>
-              </a:ln>
-            </p:spPr>
-            <p:style>
-              <a:lnRef idx="2">
-                <a:schemeClr val="accent1">
-                  <a:shade val="50000"/>
-                </a:schemeClr>
-              </a:lnRef>
-              <a:fillRef idx="1">
-                <a:schemeClr val="accent1"/>
-              </a:fillRef>
-              <a:effectRef idx="0">
-                <a:schemeClr val="accent1"/>
-              </a:effectRef>
-              <a:fontRef idx="minor">
-                <a:schemeClr val="lt1"/>
-              </a:fontRef>
-            </p:style>
-            <p:txBody>
-              <a:bodyPr rtlCol="0" anchor="ctr"/>
-              <a:lstStyle/>
-              <a:p>
-                <a:pPr algn="ctr"/>
-                <a:endParaRPr kumimoji="1" lang="ja-JP" altLang="en-US"/>
-              </a:p>
-            </p:txBody>
-          </p:sp>
-          <p:sp>
-            <p:nvSpPr>
-              <p:cNvPr id="127" name="正方形/長方形 126"/>
-              <p:cNvSpPr/>
-              <p:nvPr/>
-            </p:nvSpPr>
-            <p:spPr>
-              <a:xfrm>
-                <a:off x="10237622" y="2053063"/>
-                <a:ext cx="320308" cy="288033"/>
-              </a:xfrm>
-              <a:prstGeom prst="rect">
-                <a:avLst/>
-              </a:prstGeom>
-              <a:noFill/>
-              <a:ln>
-                <a:solidFill>
-                  <a:schemeClr val="tx1"/>
-                </a:solidFill>
-              </a:ln>
-            </p:spPr>
-            <p:style>
-              <a:lnRef idx="2">
-                <a:schemeClr val="accent1">
-                  <a:shade val="50000"/>
-                </a:schemeClr>
-              </a:lnRef>
-              <a:fillRef idx="1">
-                <a:schemeClr val="accent1"/>
-              </a:fillRef>
-              <a:effectRef idx="0">
-                <a:schemeClr val="accent1"/>
-              </a:effectRef>
-              <a:fontRef idx="minor">
-                <a:schemeClr val="lt1"/>
-              </a:fontRef>
-            </p:style>
-            <p:txBody>
-              <a:bodyPr rtlCol="0" anchor="ctr"/>
-              <a:lstStyle/>
-              <a:p>
-                <a:pPr algn="ctr"/>
-                <a:endParaRPr kumimoji="1" lang="ja-JP" altLang="en-US"/>
-              </a:p>
-            </p:txBody>
-          </p:sp>
-          <p:sp>
-            <p:nvSpPr>
-              <p:cNvPr id="128" name="正方形/長方形 127"/>
-              <p:cNvSpPr/>
-              <p:nvPr/>
-            </p:nvSpPr>
-            <p:spPr>
-              <a:xfrm>
-                <a:off x="10557930" y="2053062"/>
-                <a:ext cx="320308" cy="288033"/>
-              </a:xfrm>
-              <a:prstGeom prst="rect">
-                <a:avLst/>
-              </a:prstGeom>
-              <a:noFill/>
-              <a:ln>
-                <a:solidFill>
-                  <a:schemeClr val="tx1"/>
-                </a:solidFill>
-              </a:ln>
-            </p:spPr>
-            <p:style>
-              <a:lnRef idx="2">
-                <a:schemeClr val="accent1">
-                  <a:shade val="50000"/>
-                </a:schemeClr>
-              </a:lnRef>
-              <a:fillRef idx="1">
-                <a:schemeClr val="accent1"/>
-              </a:fillRef>
-              <a:effectRef idx="0">
-                <a:schemeClr val="accent1"/>
-              </a:effectRef>
-              <a:fontRef idx="minor">
-                <a:schemeClr val="lt1"/>
-              </a:fontRef>
-            </p:style>
-            <p:txBody>
-              <a:bodyPr rtlCol="0" anchor="ctr"/>
-              <a:lstStyle/>
-              <a:p>
-                <a:pPr algn="ctr"/>
-                <a:endParaRPr kumimoji="1" lang="ja-JP" altLang="en-US"/>
-              </a:p>
-            </p:txBody>
-          </p:sp>
-          <p:sp>
-            <p:nvSpPr>
-              <p:cNvPr id="129" name="正方形/長方形 128"/>
-              <p:cNvSpPr/>
-              <p:nvPr/>
-            </p:nvSpPr>
-            <p:spPr>
-              <a:xfrm>
-                <a:off x="10878238" y="2053061"/>
-                <a:ext cx="320308" cy="288033"/>
-              </a:xfrm>
-              <a:prstGeom prst="rect">
-                <a:avLst/>
-              </a:prstGeom>
-              <a:noFill/>
-              <a:ln>
-                <a:solidFill>
-                  <a:schemeClr val="tx1"/>
-                </a:solidFill>
-              </a:ln>
-            </p:spPr>
-            <p:style>
-              <a:lnRef idx="2">
-                <a:schemeClr val="accent1">
-                  <a:shade val="50000"/>
-                </a:schemeClr>
-              </a:lnRef>
-              <a:fillRef idx="1">
-                <a:schemeClr val="accent1"/>
-              </a:fillRef>
-              <a:effectRef idx="0">
-                <a:schemeClr val="accent1"/>
-              </a:effectRef>
-              <a:fontRef idx="minor">
-                <a:schemeClr val="lt1"/>
-              </a:fontRef>
-            </p:style>
-            <p:txBody>
-              <a:bodyPr rtlCol="0" anchor="ctr"/>
-              <a:lstStyle/>
-              <a:p>
-                <a:pPr algn="ctr"/>
-                <a:endParaRPr kumimoji="1" lang="ja-JP" altLang="en-US"/>
-              </a:p>
-            </p:txBody>
-          </p:sp>
-          <p:sp>
-            <p:nvSpPr>
-              <p:cNvPr id="130" name="正方形/長方形 129"/>
-              <p:cNvSpPr/>
-              <p:nvPr/>
-            </p:nvSpPr>
-            <p:spPr>
-              <a:xfrm>
-                <a:off x="11198546" y="2053060"/>
-                <a:ext cx="320308" cy="288033"/>
-              </a:xfrm>
-              <a:prstGeom prst="rect">
-                <a:avLst/>
-              </a:prstGeom>
-              <a:noFill/>
-              <a:ln>
-                <a:solidFill>
-                  <a:schemeClr val="tx1"/>
-                </a:solidFill>
-              </a:ln>
-            </p:spPr>
-            <p:style>
-              <a:lnRef idx="2">
-                <a:schemeClr val="accent1">
-                  <a:shade val="50000"/>
-                </a:schemeClr>
-              </a:lnRef>
-              <a:fillRef idx="1">
-                <a:schemeClr val="accent1"/>
-              </a:fillRef>
-              <a:effectRef idx="0">
-                <a:schemeClr val="accent1"/>
-              </a:effectRef>
-              <a:fontRef idx="minor">
-                <a:schemeClr val="lt1"/>
-              </a:fontRef>
-            </p:style>
-            <p:txBody>
-              <a:bodyPr rtlCol="0" anchor="ctr"/>
-              <a:lstStyle/>
-              <a:p>
-                <a:pPr algn="ctr"/>
-                <a:endParaRPr kumimoji="1" lang="ja-JP" altLang="en-US"/>
+                <a:endParaRPr lang="ja-JP" altLang="en-US"/>
               </a:p>
             </p:txBody>
           </p:sp>
@@ -5125,7 +4819,7 @@
               <a:lstStyle/>
               <a:p>
                 <a:pPr algn="ctr"/>
-                <a:endParaRPr kumimoji="1" lang="ja-JP" altLang="en-US"/>
+                <a:endParaRPr lang="ja-JP" altLang="en-US"/>
               </a:p>
             </p:txBody>
           </p:sp>
@@ -5171,7 +4865,7 @@
               <a:lstStyle/>
               <a:p>
                 <a:pPr algn="ctr"/>
-                <a:endParaRPr kumimoji="1" lang="ja-JP" altLang="en-US"/>
+                <a:endParaRPr lang="ja-JP" altLang="en-US"/>
               </a:p>
             </p:txBody>
           </p:sp>
@@ -5217,7 +4911,7 @@
               <a:lstStyle/>
               <a:p>
                 <a:pPr algn="ctr"/>
-                <a:endParaRPr kumimoji="1" lang="ja-JP" altLang="en-US"/>
+                <a:endParaRPr lang="ja-JP" altLang="en-US"/>
               </a:p>
             </p:txBody>
           </p:sp>
@@ -5263,7 +4957,7 @@
               <a:lstStyle/>
               <a:p>
                 <a:pPr algn="ctr"/>
-                <a:endParaRPr kumimoji="1" lang="ja-JP" altLang="en-US"/>
+                <a:endParaRPr lang="ja-JP" altLang="en-US"/>
               </a:p>
             </p:txBody>
           </p:sp>
@@ -5309,7 +5003,7 @@
               <a:lstStyle/>
               <a:p>
                 <a:pPr algn="ctr"/>
-                <a:endParaRPr kumimoji="1" lang="ja-JP" altLang="en-US"/>
+                <a:endParaRPr lang="ja-JP" altLang="en-US"/>
               </a:p>
             </p:txBody>
           </p:sp>
@@ -5355,7 +5049,7 @@
               <a:lstStyle/>
               <a:p>
                 <a:pPr algn="ctr"/>
-                <a:endParaRPr kumimoji="1" lang="ja-JP" altLang="en-US"/>
+                <a:endParaRPr lang="ja-JP" altLang="en-US"/>
               </a:p>
             </p:txBody>
           </p:sp>
@@ -5402,7 +5096,7 @@
             <a:lstStyle/>
             <a:p>
               <a:pPr algn="ctr"/>
-              <a:endParaRPr kumimoji="1" lang="ja-JP" altLang="en-US"/>
+              <a:endParaRPr lang="ja-JP" altLang="en-US"/>
             </a:p>
           </p:txBody>
         </p:sp>
@@ -5448,7 +5142,7 @@
             <a:lstStyle/>
             <a:p>
               <a:pPr algn="ctr"/>
-              <a:endParaRPr kumimoji="1" lang="ja-JP" altLang="en-US"/>
+              <a:endParaRPr lang="ja-JP" altLang="en-US"/>
             </a:p>
           </p:txBody>
         </p:sp>
@@ -5494,7 +5188,7 @@
             <a:lstStyle/>
             <a:p>
               <a:pPr algn="ctr"/>
-              <a:endParaRPr kumimoji="1" lang="ja-JP" altLang="en-US"/>
+              <a:endParaRPr lang="ja-JP" altLang="en-US"/>
             </a:p>
           </p:txBody>
         </p:sp>
@@ -5540,7 +5234,7 @@
             <a:lstStyle/>
             <a:p>
               <a:pPr algn="ctr"/>
-              <a:endParaRPr kumimoji="1" lang="ja-JP" altLang="en-US"/>
+              <a:endParaRPr lang="ja-JP" altLang="en-US"/>
             </a:p>
           </p:txBody>
         </p:sp>
@@ -5586,7 +5280,7 @@
             <a:lstStyle/>
             <a:p>
               <a:pPr algn="ctr"/>
-              <a:endParaRPr kumimoji="1" lang="ja-JP" altLang="en-US"/>
+              <a:endParaRPr lang="ja-JP" altLang="en-US"/>
             </a:p>
           </p:txBody>
         </p:sp>
@@ -5632,7 +5326,7 @@
             <a:lstStyle/>
             <a:p>
               <a:pPr algn="ctr"/>
-              <a:endParaRPr kumimoji="1" lang="ja-JP" altLang="en-US"/>
+              <a:endParaRPr lang="ja-JP" altLang="en-US"/>
             </a:p>
           </p:txBody>
         </p:sp>
@@ -5678,7 +5372,7 @@
             <a:lstStyle/>
             <a:p>
               <a:pPr algn="ctr"/>
-              <a:endParaRPr kumimoji="1" lang="ja-JP" altLang="en-US"/>
+              <a:endParaRPr lang="ja-JP" altLang="en-US"/>
             </a:p>
           </p:txBody>
         </p:sp>
@@ -5724,7 +5418,7 @@
             <a:lstStyle/>
             <a:p>
               <a:pPr algn="ctr"/>
-              <a:endParaRPr kumimoji="1" lang="ja-JP" altLang="en-US"/>
+              <a:endParaRPr lang="ja-JP" altLang="en-US"/>
             </a:p>
           </p:txBody>
         </p:sp>
@@ -5770,7 +5464,7 @@
             <a:lstStyle/>
             <a:p>
               <a:pPr algn="ctr"/>
-              <a:endParaRPr kumimoji="1" lang="ja-JP" altLang="en-US"/>
+              <a:endParaRPr lang="ja-JP" altLang="en-US"/>
             </a:p>
           </p:txBody>
         </p:sp>
@@ -5816,7 +5510,7 @@
             <a:lstStyle/>
             <a:p>
               <a:pPr algn="ctr"/>
-              <a:endParaRPr kumimoji="1" lang="ja-JP" altLang="en-US"/>
+              <a:endParaRPr lang="ja-JP" altLang="en-US"/>
             </a:p>
           </p:txBody>
         </p:sp>
@@ -5862,7 +5556,7 @@
             <a:lstStyle/>
             <a:p>
               <a:pPr algn="ctr"/>
-              <a:endParaRPr kumimoji="1" lang="ja-JP" altLang="en-US"/>
+              <a:endParaRPr lang="ja-JP" altLang="en-US"/>
             </a:p>
           </p:txBody>
         </p:sp>
@@ -5908,7 +5602,7 @@
             <a:lstStyle/>
             <a:p>
               <a:pPr algn="ctr"/>
-              <a:endParaRPr kumimoji="1" lang="ja-JP" altLang="en-US"/>
+              <a:endParaRPr lang="ja-JP" altLang="en-US"/>
             </a:p>
           </p:txBody>
         </p:sp>
@@ -5921,19 +5615,15 @@
         </p:nvSpPr>
         <p:spPr>
           <a:xfrm>
-            <a:off x="7780369" y="5167215"/>
-            <a:ext cx="2668250" cy="692281"/>
+            <a:off x="7689323" y="2764508"/>
+            <a:ext cx="2288048" cy="445989"/>
           </a:xfrm>
           <a:prstGeom prst="rect">
             <a:avLst/>
           </a:prstGeom>
-          <a:solidFill>
-            <a:schemeClr val="bg1"/>
-          </a:solidFill>
+          <a:noFill/>
           <a:ln>
-            <a:solidFill>
-              <a:schemeClr val="bg1"/>
-            </a:solidFill>
+            <a:noFill/>
           </a:ln>
         </p:spPr>
         <p:style>
@@ -5958,7 +5648,7 @@
           <a:p>
             <a:pPr algn="ctr"/>
             <a:r>
-              <a:rPr kumimoji="1" lang="en-US" altLang="ja-JP" sz="2800" dirty="0" err="1" smtClean="0">
+              <a:rPr lang="en-US" altLang="ja-JP" sz="2800" dirty="0" err="1">
                 <a:solidFill>
                   <a:schemeClr val="tx1"/>
                 </a:solidFill>
@@ -5968,7 +5658,7 @@
               <a:t>malloc</a:t>
             </a:r>
             <a:r>
-              <a:rPr kumimoji="1" lang="en-US" altLang="ja-JP" sz="2800" dirty="0" smtClean="0">
+              <a:rPr lang="en-US" altLang="ja-JP" sz="2800" dirty="0">
                 <a:solidFill>
                   <a:schemeClr val="tx1"/>
                 </a:solidFill>
@@ -5977,7 +5667,7 @@
               </a:rPr>
               <a:t>(100)</a:t>
             </a:r>
-            <a:endParaRPr kumimoji="1" lang="ja-JP" altLang="en-US" sz="2800" dirty="0">
+            <a:endParaRPr lang="ja-JP" altLang="en-US" sz="2800" dirty="0">
               <a:solidFill>
                 <a:schemeClr val="tx1"/>
               </a:solidFill>
@@ -5997,7 +5687,7 @@
         </p:nvCxnSpPr>
         <p:spPr>
           <a:xfrm flipV="1">
-            <a:off x="2856089" y="1673285"/>
+            <a:off x="2856089" y="1173921"/>
             <a:ext cx="1928924" cy="2"/>
           </a:xfrm>
           <a:prstGeom prst="straightConnector1">
@@ -6036,8 +5726,8 @@
         </p:nvCxnSpPr>
         <p:spPr>
           <a:xfrm flipV="1">
-            <a:off x="2856089" y="5461822"/>
-            <a:ext cx="2105655" cy="1"/>
+            <a:off x="2856089" y="2529250"/>
+            <a:ext cx="1928924" cy="1"/>
           </a:xfrm>
           <a:prstGeom prst="straightConnector1">
             <a:avLst/>
@@ -6073,7 +5763,7 @@
         </p:nvSpPr>
         <p:spPr>
           <a:xfrm>
-            <a:off x="8587126" y="1722696"/>
+            <a:off x="8462603" y="516199"/>
             <a:ext cx="914400" cy="914400"/>
           </a:xfrm>
           <a:prstGeom prst="irregularSeal1">
@@ -6111,7 +5801,7 @@
           <a:lstStyle/>
           <a:p>
             <a:pPr algn="ctr"/>
-            <a:endParaRPr kumimoji="1" lang="ja-JP" altLang="en-US"/>
+            <a:endParaRPr lang="ja-JP" altLang="en-US"/>
           </a:p>
         </p:txBody>
       </p:sp>
@@ -6139,7 +5829,7 @@
 <file path=ppt/theme/theme1.xml><?xml version="1.0" encoding="utf-8"?>
 <a:theme xmlns:a="http://schemas.openxmlformats.org/drawingml/2006/main" name="Office テーマ">
   <a:themeElements>
-    <a:clrScheme name="Office">
+    <a:clrScheme name="Office テーマ">
       <a:dk1>
         <a:sysClr val="windowText" lastClr="000000"/>
       </a:dk1>
@@ -6177,9 +5867,9 @@
         <a:srgbClr val="954F72"/>
       </a:folHlink>
     </a:clrScheme>
-    <a:fontScheme name="Office">
+    <a:fontScheme name="Office テーマ">
       <a:majorFont>
-        <a:latin typeface="游ゴシック Light" panose="020F0302020204030204"/>
+        <a:latin typeface="Calibri Light" panose="020F0302020204030204"/>
         <a:ea typeface=""/>
         <a:cs typeface=""/>
         <a:font script="Jpan" typeface="游ゴシック Light"/>
@@ -6214,7 +5904,7 @@
         <a:font script="Geor" typeface="Sylfaen"/>
       </a:majorFont>
       <a:minorFont>
-        <a:latin typeface="游ゴシック" panose="020F0502020204030204"/>
+        <a:latin typeface="Calibri" panose="020F0502020204030204"/>
         <a:ea typeface=""/>
         <a:cs typeface=""/>
         <a:font script="Jpan" typeface="游ゴシック"/>
@@ -6249,7 +5939,7 @@
         <a:font script="Geor" typeface="Sylfaen"/>
       </a:minorFont>
     </a:fontScheme>
-    <a:fmtScheme name="Office">
+    <a:fmtScheme name="Office テーマ">
       <a:fillStyleLst>
         <a:solidFill>
           <a:schemeClr val="phClr"/>
